--- a/materials/slides/ch11-add-auth-to-message-server.pptx
+++ b/materials/slides/ch11-add-auth-to-message-server.pptx
@@ -5,23 +5,22 @@
     <p:sldMasterId id="2147483648" r:id="rId1"/>
   </p:sldMasterIdLst>
   <p:notesMasterIdLst>
-    <p:notesMasterId r:id="rId13"/>
+    <p:notesMasterId r:id="rId12"/>
   </p:notesMasterIdLst>
   <p:handoutMasterIdLst>
-    <p:handoutMasterId r:id="rId14"/>
+    <p:handoutMasterId r:id="rId13"/>
   </p:handoutMasterIdLst>
   <p:sldIdLst>
     <p:sldId id="257" r:id="rId2"/>
     <p:sldId id="292" r:id="rId3"/>
     <p:sldId id="293" r:id="rId4"/>
-    <p:sldId id="294" r:id="rId5"/>
-    <p:sldId id="288" r:id="rId6"/>
-    <p:sldId id="304" r:id="rId7"/>
-    <p:sldId id="295" r:id="rId8"/>
-    <p:sldId id="299" r:id="rId9"/>
-    <p:sldId id="303" r:id="rId10"/>
-    <p:sldId id="302" r:id="rId11"/>
-    <p:sldId id="300" r:id="rId12"/>
+    <p:sldId id="288" r:id="rId5"/>
+    <p:sldId id="304" r:id="rId6"/>
+    <p:sldId id="305" r:id="rId7"/>
+    <p:sldId id="299" r:id="rId8"/>
+    <p:sldId id="303" r:id="rId9"/>
+    <p:sldId id="302" r:id="rId10"/>
+    <p:sldId id="300" r:id="rId11"/>
   </p:sldIdLst>
   <p:sldSz cx="12192000" cy="6858000"/>
   <p:notesSz cx="6858000" cy="9144000"/>
@@ -225,7 +224,7 @@
           <a:p>
             <a:fld id="{E923E828-953C-4D4A-9B10-11E7329F433D}" type="datetimeFigureOut">
               <a:rPr lang="zh-CN" altLang="en-US" smtClean="0"/>
-              <a:t>2018/2/24</a:t>
+              <a:t>2018/2/28</a:t>
             </a:fld>
             <a:endParaRPr lang="zh-CN" altLang="en-US"/>
           </a:p>
@@ -406,7 +405,7 @@
           <a:p>
             <a:fld id="{867C5346-22E5-4085-8130-851344A84DFF}" type="datetimeFigureOut">
               <a:rPr lang="zh-CN" altLang="en-US" smtClean="0"/>
-              <a:t>2018/2/24</a:t>
+              <a:t>2018/2/28</a:t>
             </a:fld>
             <a:endParaRPr lang="zh-CN" altLang="en-US"/>
           </a:p>
@@ -758,90 +757,6 @@
 </p:notes>
 </file>
 
-<file path=ppt/notesSlides/notesSlide10.xml><?xml version="1.0" encoding="utf-8"?>
-<p:notes xmlns:a="http://schemas.openxmlformats.org/drawingml/2006/main" xmlns:r="http://schemas.openxmlformats.org/officeDocument/2006/relationships" xmlns:p="http://schemas.openxmlformats.org/presentationml/2006/main">
-  <p:cSld>
-    <p:spTree>
-      <p:nvGrpSpPr>
-        <p:cNvPr id="1" name=""/>
-        <p:cNvGrpSpPr/>
-        <p:nvPr/>
-      </p:nvGrpSpPr>
-      <p:grpSpPr>
-        <a:xfrm>
-          <a:off x="0" y="0"/>
-          <a:ext cx="0" cy="0"/>
-          <a:chOff x="0" y="0"/>
-          <a:chExt cx="0" cy="0"/>
-        </a:xfrm>
-      </p:grpSpPr>
-      <p:sp>
-        <p:nvSpPr>
-          <p:cNvPr id="2" name="幻灯片图像占位符 1"/>
-          <p:cNvSpPr>
-            <a:spLocks noGrp="1" noRot="1" noChangeAspect="1"/>
-          </p:cNvSpPr>
-          <p:nvPr>
-            <p:ph type="sldImg"/>
-          </p:nvPr>
-        </p:nvSpPr>
-        <p:spPr/>
-      </p:sp>
-      <p:sp>
-        <p:nvSpPr>
-          <p:cNvPr id="3" name="备注占位符 2"/>
-          <p:cNvSpPr>
-            <a:spLocks noGrp="1"/>
-          </p:cNvSpPr>
-          <p:nvPr>
-            <p:ph type="body" idx="1"/>
-          </p:nvPr>
-        </p:nvSpPr>
-        <p:spPr/>
-        <p:txBody>
-          <a:bodyPr/>
-          <a:lstStyle/>
-          <a:p>
-            <a:endParaRPr lang="zh-CN" altLang="en-US" dirty="0"/>
-          </a:p>
-        </p:txBody>
-      </p:sp>
-      <p:sp>
-        <p:nvSpPr>
-          <p:cNvPr id="4" name="灯片编号占位符 3"/>
-          <p:cNvSpPr>
-            <a:spLocks noGrp="1"/>
-          </p:cNvSpPr>
-          <p:nvPr>
-            <p:ph type="sldNum" sz="quarter" idx="10"/>
-          </p:nvPr>
-        </p:nvSpPr>
-        <p:spPr/>
-        <p:txBody>
-          <a:bodyPr/>
-          <a:lstStyle/>
-          <a:p>
-            <a:fld id="{9FB975F3-1C40-4D40-A7FE-36EEB7CAFC85}" type="slidenum">
-              <a:rPr lang="zh-CN" altLang="en-US" smtClean="0"/>
-              <a:t>11</a:t>
-            </a:fld>
-            <a:endParaRPr lang="zh-CN" altLang="en-US"/>
-          </a:p>
-        </p:txBody>
-      </p:sp>
-    </p:spTree>
-    <p:extLst>
-      <p:ext uri="{BB962C8B-B14F-4D97-AF65-F5344CB8AC3E}">
-        <p14:creationId xmlns:p14="http://schemas.microsoft.com/office/powerpoint/2010/main" val="1840762838"/>
-      </p:ext>
-    </p:extLst>
-  </p:cSld>
-  <p:clrMapOvr>
-    <a:masterClrMapping/>
-  </p:clrMapOvr>
-</p:notes>
-</file>
-
 <file path=ppt/notesSlides/notesSlide2.xml><?xml version="1.0" encoding="utf-8"?>
 <p:notes xmlns:a="http://schemas.openxmlformats.org/drawingml/2006/main" xmlns:r="http://schemas.openxmlformats.org/officeDocument/2006/relationships" xmlns:p="http://schemas.openxmlformats.org/presentationml/2006/main">
   <p:cSld>
@@ -1000,7 +915,7 @@
     </p:spTree>
     <p:extLst>
       <p:ext uri="{BB962C8B-B14F-4D97-AF65-F5344CB8AC3E}">
-        <p14:creationId xmlns:p14="http://schemas.microsoft.com/office/powerpoint/2010/main" val="3820153201"/>
+        <p14:creationId xmlns:p14="http://schemas.microsoft.com/office/powerpoint/2010/main" val="251414515"/>
       </p:ext>
     </p:extLst>
   </p:cSld>
@@ -1084,7 +999,7 @@
     </p:spTree>
     <p:extLst>
       <p:ext uri="{BB962C8B-B14F-4D97-AF65-F5344CB8AC3E}">
-        <p14:creationId xmlns:p14="http://schemas.microsoft.com/office/powerpoint/2010/main" val="251414515"/>
+        <p14:creationId xmlns:p14="http://schemas.microsoft.com/office/powerpoint/2010/main" val="3903666147"/>
       </p:ext>
     </p:extLst>
   </p:cSld>
@@ -1168,7 +1083,7 @@
     </p:spTree>
     <p:extLst>
       <p:ext uri="{BB962C8B-B14F-4D97-AF65-F5344CB8AC3E}">
-        <p14:creationId xmlns:p14="http://schemas.microsoft.com/office/powerpoint/2010/main" val="3903666147"/>
+        <p14:creationId xmlns:p14="http://schemas.microsoft.com/office/powerpoint/2010/main" val="1318096934"/>
       </p:ext>
     </p:extLst>
   </p:cSld>
@@ -1252,7 +1167,7 @@
     </p:spTree>
     <p:extLst>
       <p:ext uri="{BB962C8B-B14F-4D97-AF65-F5344CB8AC3E}">
-        <p14:creationId xmlns:p14="http://schemas.microsoft.com/office/powerpoint/2010/main" val="1476944173"/>
+        <p14:creationId xmlns:p14="http://schemas.microsoft.com/office/powerpoint/2010/main" val="467974563"/>
       </p:ext>
     </p:extLst>
   </p:cSld>
@@ -1336,7 +1251,7 @@
     </p:spTree>
     <p:extLst>
       <p:ext uri="{BB962C8B-B14F-4D97-AF65-F5344CB8AC3E}">
-        <p14:creationId xmlns:p14="http://schemas.microsoft.com/office/powerpoint/2010/main" val="467974563"/>
+        <p14:creationId xmlns:p14="http://schemas.microsoft.com/office/powerpoint/2010/main" val="2445932393"/>
       </p:ext>
     </p:extLst>
   </p:cSld>
@@ -1420,7 +1335,7 @@
     </p:spTree>
     <p:extLst>
       <p:ext uri="{BB962C8B-B14F-4D97-AF65-F5344CB8AC3E}">
-        <p14:creationId xmlns:p14="http://schemas.microsoft.com/office/powerpoint/2010/main" val="2445932393"/>
+        <p14:creationId xmlns:p14="http://schemas.microsoft.com/office/powerpoint/2010/main" val="1254337709"/>
       </p:ext>
     </p:extLst>
   </p:cSld>
@@ -1504,7 +1419,7 @@
     </p:spTree>
     <p:extLst>
       <p:ext uri="{BB962C8B-B14F-4D97-AF65-F5344CB8AC3E}">
-        <p14:creationId xmlns:p14="http://schemas.microsoft.com/office/powerpoint/2010/main" val="1254337709"/>
+        <p14:creationId xmlns:p14="http://schemas.microsoft.com/office/powerpoint/2010/main" val="1840762838"/>
       </p:ext>
     </p:extLst>
   </p:cSld>
@@ -1672,7 +1587,7 @@
           <a:p>
             <a:fld id="{A5E21016-498F-4141-B0CA-D95A38CA7D62}" type="datetimeFigureOut">
               <a:rPr lang="zh-CN" altLang="en-US" smtClean="0"/>
-              <a:t>2018/2/24</a:t>
+              <a:t>2018/2/28</a:t>
             </a:fld>
             <a:endParaRPr lang="zh-CN" altLang="en-US"/>
           </a:p>
@@ -1902,7 +1817,7 @@
           <a:p>
             <a:fld id="{A5E21016-498F-4141-B0CA-D95A38CA7D62}" type="datetimeFigureOut">
               <a:rPr lang="zh-CN" altLang="en-US" smtClean="0"/>
-              <a:t>2018/2/24</a:t>
+              <a:t>2018/2/28</a:t>
             </a:fld>
             <a:endParaRPr lang="zh-CN" altLang="en-US"/>
           </a:p>
@@ -2137,7 +2052,7 @@
           <a:p>
             <a:fld id="{A5E21016-498F-4141-B0CA-D95A38CA7D62}" type="datetimeFigureOut">
               <a:rPr lang="zh-CN" altLang="en-US" smtClean="0"/>
-              <a:t>2018/2/24</a:t>
+              <a:t>2018/2/28</a:t>
             </a:fld>
             <a:endParaRPr lang="zh-CN" altLang="en-US"/>
           </a:p>
@@ -2699,7 +2614,7 @@
           <a:p>
             <a:fld id="{A5E21016-498F-4141-B0CA-D95A38CA7D62}" type="datetimeFigureOut">
               <a:rPr lang="zh-CN" altLang="en-US" smtClean="0"/>
-              <a:t>2018/2/24</a:t>
+              <a:t>2018/2/28</a:t>
             </a:fld>
             <a:endParaRPr lang="zh-CN" altLang="en-US"/>
           </a:p>
@@ -2996,7 +2911,7 @@
           <a:p>
             <a:fld id="{A5E21016-498F-4141-B0CA-D95A38CA7D62}" type="datetimeFigureOut">
               <a:rPr lang="zh-CN" altLang="en-US" smtClean="0"/>
-              <a:t>2018/2/24</a:t>
+              <a:t>2018/2/28</a:t>
             </a:fld>
             <a:endParaRPr lang="zh-CN" altLang="en-US"/>
           </a:p>
@@ -3435,7 +3350,7 @@
           <a:p>
             <a:fld id="{A5E21016-498F-4141-B0CA-D95A38CA7D62}" type="datetimeFigureOut">
               <a:rPr lang="zh-CN" altLang="en-US" smtClean="0"/>
-              <a:t>2018/2/24</a:t>
+              <a:t>2018/2/28</a:t>
             </a:fld>
             <a:endParaRPr lang="zh-CN" altLang="en-US"/>
           </a:p>
@@ -3608,7 +3523,7 @@
           <a:p>
             <a:fld id="{A5E21016-498F-4141-B0CA-D95A38CA7D62}" type="datetimeFigureOut">
               <a:rPr lang="zh-CN" altLang="en-US" smtClean="0"/>
-              <a:t>2018/2/24</a:t>
+              <a:t>2018/2/28</a:t>
             </a:fld>
             <a:endParaRPr lang="zh-CN" altLang="en-US"/>
           </a:p>
@@ -3745,7 +3660,7 @@
           <a:p>
             <a:fld id="{A5E21016-498F-4141-B0CA-D95A38CA7D62}" type="datetimeFigureOut">
               <a:rPr lang="zh-CN" altLang="en-US" smtClean="0"/>
-              <a:t>2018/2/24</a:t>
+              <a:t>2018/2/28</a:t>
             </a:fld>
             <a:endParaRPr lang="zh-CN" altLang="en-US"/>
           </a:p>
@@ -4083,7 +3998,7 @@
           <a:p>
             <a:fld id="{A5E21016-498F-4141-B0CA-D95A38CA7D62}" type="datetimeFigureOut">
               <a:rPr lang="zh-CN" altLang="en-US" smtClean="0"/>
-              <a:t>2018/2/24</a:t>
+              <a:t>2018/2/28</a:t>
             </a:fld>
             <a:endParaRPr lang="zh-CN" altLang="en-US"/>
           </a:p>
@@ -4398,7 +4313,7 @@
           <a:p>
             <a:fld id="{A5E21016-498F-4141-B0CA-D95A38CA7D62}" type="datetimeFigureOut">
               <a:rPr lang="zh-CN" altLang="en-US" smtClean="0"/>
-              <a:t>2018/2/24</a:t>
+              <a:t>2018/2/28</a:t>
             </a:fld>
             <a:endParaRPr lang="zh-CN" altLang="en-US"/>
           </a:p>
@@ -5247,163 +5162,6 @@
           <a:p>
             <a:r>
               <a:rPr lang="zh-CN" altLang="en-US" dirty="0"/>
-              <a:t>连接关闭：</a:t>
-            </a:r>
-            <a:r>
-              <a:rPr lang="en-US" altLang="zh-CN" dirty="0" err="1"/>
-              <a:t>onClose</a:t>
-            </a:r>
-            <a:r>
-              <a:rPr lang="zh-CN" altLang="en-US" dirty="0"/>
-              <a:t>事件</a:t>
-            </a:r>
-          </a:p>
-        </p:txBody>
-      </p:sp>
-      <p:sp>
-        <p:nvSpPr>
-          <p:cNvPr id="6" name="内容占位符 5">
-            <a:extLst>
-              <a:ext uri="{FF2B5EF4-FFF2-40B4-BE49-F238E27FC236}">
-                <a16:creationId xmlns:a16="http://schemas.microsoft.com/office/drawing/2014/main" id="{B83E9AD4-C606-4679-B884-01F71CC97E44}"/>
-              </a:ext>
-            </a:extLst>
-          </p:cNvPr>
-          <p:cNvSpPr>
-            <a:spLocks noGrp="1"/>
-          </p:cNvSpPr>
-          <p:nvPr>
-            <p:ph idx="1"/>
-          </p:nvPr>
-        </p:nvSpPr>
-        <p:spPr>
-          <a:xfrm>
-            <a:off x="838200" y="1656500"/>
-            <a:ext cx="10515600" cy="4850832"/>
-          </a:xfrm>
-        </p:spPr>
-        <p:txBody>
-          <a:bodyPr>
-            <a:normAutofit/>
-          </a:bodyPr>
-          <a:lstStyle/>
-          <a:p>
-            <a:r>
-              <a:rPr lang="zh-CN" altLang="en-US" sz="2000" dirty="0"/>
-              <a:t>关闭连接要从</a:t>
-            </a:r>
-            <a:r>
-              <a:rPr lang="en-US" altLang="zh-CN" sz="2000" dirty="0"/>
-              <a:t>Memcached</a:t>
-            </a:r>
-            <a:r>
-              <a:rPr lang="zh-CN" altLang="en-US" sz="2000" dirty="0"/>
-              <a:t>去除缓存数据。</a:t>
-            </a:r>
-            <a:endParaRPr lang="en-US" altLang="zh-CN" sz="2000" dirty="0"/>
-          </a:p>
-          <a:p>
-            <a:endParaRPr lang="en-US" altLang="zh-CN" sz="2000" dirty="0"/>
-          </a:p>
-          <a:p>
-            <a:endParaRPr lang="en-US" altLang="zh-CN" sz="2000" dirty="0"/>
-          </a:p>
-        </p:txBody>
-      </p:sp>
-      <p:pic>
-        <p:nvPicPr>
-          <p:cNvPr id="3" name="图片 2">
-            <a:extLst>
-              <a:ext uri="{FF2B5EF4-FFF2-40B4-BE49-F238E27FC236}">
-                <a16:creationId xmlns:a16="http://schemas.microsoft.com/office/drawing/2014/main" id="{6182DC60-C94A-4DD4-95DC-C3AD7F476710}"/>
-              </a:ext>
-            </a:extLst>
-          </p:cNvPr>
-          <p:cNvPicPr>
-            <a:picLocks noChangeAspect="1"/>
-          </p:cNvPicPr>
-          <p:nvPr/>
-        </p:nvPicPr>
-        <p:blipFill>
-          <a:blip r:embed="rId3">
-            <a:extLst>
-              <a:ext uri="{28A0092B-C50C-407E-A947-70E740481C1C}">
-                <a14:useLocalDpi xmlns:a14="http://schemas.microsoft.com/office/drawing/2010/main" val="0"/>
-              </a:ext>
-            </a:extLst>
-          </a:blip>
-          <a:stretch>
-            <a:fillRect/>
-          </a:stretch>
-        </p:blipFill>
-        <p:spPr>
-          <a:xfrm>
-            <a:off x="838199" y="2517633"/>
-            <a:ext cx="10014621" cy="1388542"/>
-          </a:xfrm>
-          <a:prstGeom prst="rect">
-            <a:avLst/>
-          </a:prstGeom>
-        </p:spPr>
-      </p:pic>
-    </p:spTree>
-    <p:extLst>
-      <p:ext uri="{BB962C8B-B14F-4D97-AF65-F5344CB8AC3E}">
-        <p14:creationId xmlns:p14="http://schemas.microsoft.com/office/powerpoint/2010/main" val="2051629585"/>
-      </p:ext>
-    </p:extLst>
-  </p:cSld>
-  <p:clrMapOvr>
-    <a:masterClrMapping/>
-  </p:clrMapOvr>
-</p:sld>
-</file>
-
-<file path=ppt/slides/slide11.xml><?xml version="1.0" encoding="utf-8"?>
-<p:sld xmlns:a="http://schemas.openxmlformats.org/drawingml/2006/main" xmlns:r="http://schemas.openxmlformats.org/officeDocument/2006/relationships" xmlns:p="http://schemas.openxmlformats.org/presentationml/2006/main">
-  <p:cSld>
-    <p:spTree>
-      <p:nvGrpSpPr>
-        <p:cNvPr id="1" name=""/>
-        <p:cNvGrpSpPr/>
-        <p:nvPr/>
-      </p:nvGrpSpPr>
-      <p:grpSpPr>
-        <a:xfrm>
-          <a:off x="0" y="0"/>
-          <a:ext cx="0" cy="0"/>
-          <a:chOff x="0" y="0"/>
-          <a:chExt cx="0" cy="0"/>
-        </a:xfrm>
-      </p:grpSpPr>
-      <p:sp>
-        <p:nvSpPr>
-          <p:cNvPr id="4" name="标题 3">
-            <a:extLst>
-              <a:ext uri="{FF2B5EF4-FFF2-40B4-BE49-F238E27FC236}">
-                <a16:creationId xmlns:a16="http://schemas.microsoft.com/office/drawing/2014/main" id="{2729939D-814A-4BD2-9922-3F8EA865938B}"/>
-              </a:ext>
-            </a:extLst>
-          </p:cNvPr>
-          <p:cNvSpPr>
-            <a:spLocks noGrp="1"/>
-          </p:cNvSpPr>
-          <p:nvPr>
-            <p:ph type="title"/>
-          </p:nvPr>
-        </p:nvSpPr>
-        <p:spPr>
-          <a:xfrm>
-            <a:off x="838200" y="683581"/>
-            <a:ext cx="10515600" cy="736846"/>
-          </a:xfrm>
-        </p:spPr>
-        <p:txBody>
-          <a:bodyPr/>
-          <a:lstStyle/>
-          <a:p>
-            <a:r>
-              <a:rPr lang="zh-CN" altLang="en-US" dirty="0"/>
               <a:t>处理</a:t>
             </a:r>
             <a:r>
@@ -5463,46 +5221,140 @@
             <a:endParaRPr lang="en-US" altLang="zh-CN" sz="2000" dirty="0"/>
           </a:p>
           <a:p>
+            <a:br>
+              <a:rPr lang="en-US" altLang="zh-CN" sz="2000" dirty="0"/>
+            </a:br>
+            <a:r>
+              <a:rPr lang="en-US" altLang="zh-CN" sz="2000" dirty="0"/>
+              <a:t>    public function </a:t>
+            </a:r>
+            <a:r>
+              <a:rPr lang="en-US" altLang="zh-CN" sz="2000" dirty="0" err="1"/>
+              <a:t>on_shutdown</a:t>
+            </a:r>
+            <a:r>
+              <a:rPr lang="en-US" altLang="zh-CN" sz="2000" dirty="0"/>
+              <a:t>($server) {</a:t>
+            </a:r>
+            <a:br>
+              <a:rPr lang="en-US" altLang="zh-CN" sz="2000" dirty="0"/>
+            </a:br>
+            <a:r>
+              <a:rPr lang="en-US" altLang="zh-CN" sz="2000" dirty="0"/>
+              <a:t>        $this-&gt;</a:t>
+            </a:r>
+            <a:r>
+              <a:rPr lang="en-US" altLang="zh-CN" sz="2000" dirty="0" err="1"/>
+              <a:t>mcache</a:t>
+            </a:r>
+            <a:r>
+              <a:rPr lang="en-US" altLang="zh-CN" sz="2000" dirty="0"/>
+              <a:t>-&gt;</a:t>
+            </a:r>
+            <a:r>
+              <a:rPr lang="en-US" altLang="zh-CN" sz="2000" dirty="0" err="1"/>
+              <a:t>deleteMulti</a:t>
+            </a:r>
+            <a:r>
+              <a:rPr lang="en-US" altLang="zh-CN" sz="2000" dirty="0"/>
+              <a:t>($this-&gt;</a:t>
+            </a:r>
+            <a:r>
+              <a:rPr lang="en-US" altLang="zh-CN" sz="2000" dirty="0" err="1"/>
+              <a:t>mcache</a:t>
+            </a:r>
+            <a:r>
+              <a:rPr lang="en-US" altLang="zh-CN" sz="2000" dirty="0"/>
+              <a:t>-&gt;</a:t>
+            </a:r>
+            <a:r>
+              <a:rPr lang="en-US" altLang="zh-CN" sz="2000" dirty="0" err="1"/>
+              <a:t>getAllKeys</a:t>
+            </a:r>
+            <a:r>
+              <a:rPr lang="en-US" altLang="zh-CN" sz="2000" dirty="0"/>
+              <a:t>());</a:t>
+            </a:r>
+            <a:br>
+              <a:rPr lang="en-US" altLang="zh-CN" sz="2000" dirty="0"/>
+            </a:br>
+            <a:r>
+              <a:rPr lang="en-US" altLang="zh-CN" sz="2000" dirty="0"/>
+              <a:t>        $this-&gt;</a:t>
+            </a:r>
+            <a:r>
+              <a:rPr lang="en-US" altLang="zh-CN" sz="2000" dirty="0" err="1"/>
+              <a:t>mcache</a:t>
+            </a:r>
+            <a:r>
+              <a:rPr lang="en-US" altLang="zh-CN" sz="2000" dirty="0"/>
+              <a:t>-&gt;quit();</a:t>
+            </a:r>
+            <a:br>
+              <a:rPr lang="en-US" altLang="zh-CN" sz="2000" dirty="0"/>
+            </a:br>
+            <a:r>
+              <a:rPr lang="en-US" altLang="zh-CN" sz="2000" dirty="0"/>
+              <a:t>        $this-&gt;</a:t>
+            </a:r>
+            <a:r>
+              <a:rPr lang="en-US" altLang="zh-CN" sz="2000" dirty="0" err="1"/>
+              <a:t>auth_cache</a:t>
+            </a:r>
+            <a:r>
+              <a:rPr lang="en-US" altLang="zh-CN" sz="2000" dirty="0"/>
+              <a:t>-&gt;</a:t>
+            </a:r>
+            <a:r>
+              <a:rPr lang="en-US" altLang="zh-CN" sz="2000" dirty="0" err="1"/>
+              <a:t>deleteMulti</a:t>
+            </a:r>
+            <a:r>
+              <a:rPr lang="en-US" altLang="zh-CN" sz="2000" dirty="0"/>
+              <a:t>($this-&gt;</a:t>
+            </a:r>
+            <a:r>
+              <a:rPr lang="en-US" altLang="zh-CN" sz="2000" dirty="0" err="1"/>
+              <a:t>auth_cache</a:t>
+            </a:r>
+            <a:r>
+              <a:rPr lang="en-US" altLang="zh-CN" sz="2000" dirty="0"/>
+              <a:t>-&gt;</a:t>
+            </a:r>
+            <a:r>
+              <a:rPr lang="en-US" altLang="zh-CN" sz="2000" dirty="0" err="1"/>
+              <a:t>getAllKeys</a:t>
+            </a:r>
+            <a:r>
+              <a:rPr lang="en-US" altLang="zh-CN" sz="2000" dirty="0"/>
+              <a:t>());</a:t>
+            </a:r>
+            <a:br>
+              <a:rPr lang="en-US" altLang="zh-CN" sz="2000" dirty="0"/>
+            </a:br>
+            <a:r>
+              <a:rPr lang="en-US" altLang="zh-CN" sz="2000" dirty="0"/>
+              <a:t>        $this-&gt;</a:t>
+            </a:r>
+            <a:r>
+              <a:rPr lang="en-US" altLang="zh-CN" sz="2000" dirty="0" err="1"/>
+              <a:t>auth_cache</a:t>
+            </a:r>
+            <a:r>
+              <a:rPr lang="en-US" altLang="zh-CN" sz="2000" dirty="0"/>
+              <a:t>-&gt;quit();</a:t>
+            </a:r>
+            <a:br>
+              <a:rPr lang="en-US" altLang="zh-CN" sz="2000" dirty="0"/>
+            </a:br>
+            <a:r>
+              <a:rPr lang="en-US" altLang="zh-CN" sz="2000" dirty="0"/>
+              <a:t>    }</a:t>
+            </a:r>
             <a:endParaRPr lang="zh-CN" altLang="en-US" sz="2000" dirty="0"/>
           </a:p>
         </p:txBody>
       </p:sp>
-      <p:pic>
-        <p:nvPicPr>
-          <p:cNvPr id="5" name="图片 4">
-            <a:extLst>
-              <a:ext uri="{FF2B5EF4-FFF2-40B4-BE49-F238E27FC236}">
-                <a16:creationId xmlns:a16="http://schemas.microsoft.com/office/drawing/2014/main" id="{348384AC-A8CE-40D4-AD37-7E289DB67E53}"/>
-              </a:ext>
-            </a:extLst>
-          </p:cNvPr>
-          <p:cNvPicPr>
-            <a:picLocks noChangeAspect="1"/>
-          </p:cNvPicPr>
-          <p:nvPr/>
-        </p:nvPicPr>
-        <p:blipFill>
-          <a:blip r:embed="rId3">
-            <a:extLst>
-              <a:ext uri="{28A0092B-C50C-407E-A947-70E740481C1C}">
-                <a14:useLocalDpi xmlns:a14="http://schemas.microsoft.com/office/drawing/2010/main" val="0"/>
-              </a:ext>
-            </a:extLst>
-          </a:blip>
-          <a:stretch>
-            <a:fillRect/>
-          </a:stretch>
-        </p:blipFill>
-        <p:spPr>
-          <a:xfrm>
-            <a:off x="838200" y="2757035"/>
-            <a:ext cx="10596402" cy="1726188"/>
-          </a:xfrm>
-          <a:prstGeom prst="rect">
-            <a:avLst/>
-          </a:prstGeom>
-        </p:spPr>
-      </p:pic>
     </p:spTree>
     <p:extLst>
       <p:ext uri="{BB962C8B-B14F-4D97-AF65-F5344CB8AC3E}">
@@ -5596,7 +5448,23 @@
           <a:p>
             <a:r>
               <a:rPr lang="zh-CN" altLang="en-US" sz="2000" dirty="0"/>
-              <a:t>类型：很简单的聊天室程序。先不做验证功能，仅仅基于连接。</a:t>
+              <a:t>使用一个用于登录验证处理的程序，验证通过后把用户信息放到</a:t>
+            </a:r>
+            <a:r>
+              <a:rPr lang="en-US" altLang="zh-CN" sz="2000" dirty="0"/>
+              <a:t>Memcached</a:t>
+            </a:r>
+            <a:r>
+              <a:rPr lang="zh-CN" altLang="en-US" sz="2000" dirty="0"/>
+              <a:t>里，并返回给用户一个</a:t>
+            </a:r>
+            <a:r>
+              <a:rPr lang="en-US" altLang="zh-CN" sz="2000" dirty="0"/>
+              <a:t>token</a:t>
+            </a:r>
+            <a:r>
+              <a:rPr lang="zh-CN" altLang="en-US" sz="2000" dirty="0"/>
+              <a:t>值作为登录凭证。</a:t>
             </a:r>
             <a:endParaRPr lang="en-US" altLang="zh-CN" sz="2000" dirty="0"/>
           </a:p>
@@ -5606,15 +5474,67 @@
           <a:p>
             <a:r>
               <a:rPr lang="zh-CN" altLang="en-US" sz="2000" dirty="0"/>
-              <a:t>使用</a:t>
+              <a:t>然后用户在</a:t>
+            </a:r>
+            <a:r>
+              <a:rPr lang="en-US" altLang="zh-CN" sz="2000" dirty="0" err="1"/>
+              <a:t>Websocket</a:t>
+            </a:r>
+            <a:r>
+              <a:rPr lang="zh-CN" altLang="en-US" sz="2000" dirty="0"/>
+              <a:t>连接时，传递此</a:t>
+            </a:r>
+            <a:r>
+              <a:rPr lang="en-US" altLang="zh-CN" sz="2000" dirty="0"/>
+              <a:t>token</a:t>
+            </a:r>
+            <a:r>
+              <a:rPr lang="zh-CN" altLang="en-US" sz="2000" dirty="0"/>
+              <a:t>值。</a:t>
+            </a:r>
+            <a:endParaRPr lang="en-US" altLang="zh-CN" sz="2000" dirty="0"/>
+          </a:p>
+          <a:p>
+            <a:endParaRPr lang="en-US" altLang="zh-CN" sz="2000" dirty="0"/>
+          </a:p>
+          <a:p>
+            <a:r>
+              <a:rPr lang="zh-CN" altLang="en-US" sz="2000" dirty="0"/>
+              <a:t>服务端在连接建立时，获取此</a:t>
+            </a:r>
+            <a:r>
+              <a:rPr lang="en-US" altLang="zh-CN" sz="2000" dirty="0"/>
+              <a:t>token</a:t>
+            </a:r>
+            <a:r>
+              <a:rPr lang="zh-CN" altLang="en-US" sz="2000" dirty="0"/>
+              <a:t>值，检测</a:t>
+            </a:r>
+            <a:r>
+              <a:rPr lang="en-US" altLang="zh-CN" sz="2000" dirty="0"/>
+              <a:t>Memcached</a:t>
+            </a:r>
+            <a:r>
+              <a:rPr lang="zh-CN" altLang="en-US" sz="2000" dirty="0"/>
+              <a:t>是否存在，存在则保持连接并可以通信，否则九关闭连接。</a:t>
+            </a:r>
+            <a:endParaRPr lang="en-US" altLang="zh-CN" sz="2000" dirty="0"/>
+          </a:p>
+          <a:p>
+            <a:endParaRPr lang="en-US" altLang="zh-CN" sz="2000" dirty="0"/>
+          </a:p>
+          <a:p>
+            <a:r>
+              <a:rPr lang="zh-CN" altLang="en-US" sz="2000" dirty="0"/>
+              <a:t>登录验证的过程和</a:t>
             </a:r>
             <a:r>
               <a:rPr lang="en-US" altLang="zh-CN" sz="2000" dirty="0" err="1"/>
               <a:t>Swoole</a:t>
             </a:r>
             <a:r>
-              <a:rPr lang="en-US" altLang="zh-CN" sz="2000" dirty="0"/>
-              <a:t> + </a:t>
+              <a:rPr lang="zh-CN" altLang="en-US" sz="2000" dirty="0"/>
+              <a:t>实现的</a:t>
             </a:r>
             <a:r>
               <a:rPr lang="en-US" altLang="zh-CN" sz="2000" dirty="0" err="1"/>
@@ -5622,46 +5542,29 @@
             </a:r>
             <a:r>
               <a:rPr lang="zh-CN" altLang="en-US" sz="2000" dirty="0"/>
-              <a:t>协议可以实现服务器实时推送。</a:t>
+              <a:t>通信服务并不耦合，仅仅是通过一个简单约定依靠</a:t>
+            </a:r>
+            <a:r>
+              <a:rPr lang="en-US" altLang="zh-CN" sz="2000" dirty="0"/>
+              <a:t>Memcached</a:t>
+            </a:r>
+            <a:r>
+              <a:rPr lang="zh-CN" altLang="en-US" sz="2000" dirty="0"/>
+              <a:t>进行通信即可。</a:t>
             </a:r>
             <a:endParaRPr lang="en-US" altLang="zh-CN" sz="2000" dirty="0"/>
           </a:p>
           <a:p>
+            <a:r>
+              <a:rPr lang="zh-CN" altLang="en-US" sz="2000" dirty="0"/>
+              <a:t>通信服务程序并不关心验证程序如何实现，即使验证过程发生改变也不会影响通信服务。</a:t>
+            </a:r>
             <a:endParaRPr lang="en-US" altLang="zh-CN" sz="2000" dirty="0"/>
           </a:p>
           <a:p>
-            <a:r>
-              <a:rPr lang="zh-CN" altLang="en-US" sz="2000" dirty="0"/>
-              <a:t>使用</a:t>
-            </a:r>
-            <a:r>
-              <a:rPr lang="en-US" altLang="zh-CN" sz="2000" dirty="0"/>
-              <a:t>Memcached</a:t>
-            </a:r>
-            <a:r>
-              <a:rPr lang="zh-CN" altLang="en-US" sz="2000" dirty="0"/>
-              <a:t>缓存连接信息。</a:t>
-            </a:r>
-            <a:endParaRPr lang="en-US" altLang="zh-CN" sz="2000" dirty="0"/>
-          </a:p>
-          <a:p>
-            <a:endParaRPr lang="en-US" altLang="zh-CN" sz="2000" dirty="0"/>
-          </a:p>
-          <a:p>
-            <a:r>
-              <a:rPr lang="zh-CN" altLang="en-US" sz="2000" dirty="0"/>
-              <a:t>使用一个简单的通信协议。</a:t>
-            </a:r>
-            <a:endParaRPr lang="en-US" altLang="zh-CN" sz="2000" dirty="0"/>
-          </a:p>
-          <a:p>
-            <a:endParaRPr lang="en-US" altLang="zh-CN" sz="2000" dirty="0"/>
-          </a:p>
-          <a:p>
-            <a:r>
-              <a:rPr lang="zh-CN" altLang="en-US" sz="2000" dirty="0"/>
-              <a:t>服务器接收到数据，直接转发给其他成员。</a:t>
-            </a:r>
+            <a:pPr marL="0" indent="0">
+              <a:buNone/>
+            </a:pPr>
             <a:endParaRPr lang="en-US" altLang="zh-CN" sz="2000" dirty="0"/>
           </a:p>
           <a:p>
@@ -5733,7 +5636,7 @@
           <a:p>
             <a:r>
               <a:rPr lang="zh-CN" altLang="en-US" dirty="0"/>
-              <a:t>设计简单的通信协议</a:t>
+              <a:t>通信服务程序要做一些修改</a:t>
             </a:r>
           </a:p>
         </p:txBody>
@@ -5768,55 +5671,27 @@
           <a:p>
             <a:r>
               <a:rPr lang="zh-CN" altLang="en-US" sz="2000" dirty="0"/>
-              <a:t>通信数据使用</a:t>
-            </a:r>
-            <a:r>
-              <a:rPr lang="en-US" altLang="zh-CN" sz="2000" dirty="0"/>
-              <a:t>JSON</a:t>
-            </a:r>
+              <a:t>连接建立后要进行验证。</a:t>
+            </a:r>
+            <a:endParaRPr lang="en-US" altLang="zh-CN" sz="2000" dirty="0"/>
+          </a:p>
+          <a:p>
+            <a:endParaRPr lang="en-US" altLang="zh-CN" sz="2000" dirty="0"/>
+          </a:p>
+          <a:p>
             <a:r>
               <a:rPr lang="zh-CN" altLang="en-US" sz="2000" dirty="0"/>
-              <a:t>格式。前端</a:t>
-            </a:r>
-            <a:r>
-              <a:rPr lang="en-US" altLang="zh-CN" sz="2000" dirty="0"/>
-              <a:t>JS</a:t>
-            </a:r>
+              <a:t>验证通过后要记录用户的信息，并且要把连接信息和用户关联起来。</a:t>
+            </a:r>
+            <a:endParaRPr lang="en-US" altLang="zh-CN" sz="2000" dirty="0"/>
+          </a:p>
+          <a:p>
+            <a:endParaRPr lang="en-US" altLang="zh-CN" sz="2000" dirty="0"/>
+          </a:p>
+          <a:p>
             <a:r>
               <a:rPr lang="zh-CN" altLang="en-US" sz="2000" dirty="0"/>
-              <a:t>可以直接处理</a:t>
-            </a:r>
-            <a:r>
-              <a:rPr lang="en-US" altLang="zh-CN" sz="2000" dirty="0"/>
-              <a:t>JSON</a:t>
-            </a:r>
-            <a:r>
-              <a:rPr lang="zh-CN" altLang="en-US" sz="2000" dirty="0"/>
-              <a:t>数据，</a:t>
-            </a:r>
-            <a:r>
-              <a:rPr lang="en-US" altLang="zh-CN" sz="2000" dirty="0"/>
-              <a:t>PHP</a:t>
-            </a:r>
-            <a:r>
-              <a:rPr lang="zh-CN" altLang="en-US" sz="2000" dirty="0"/>
-              <a:t>使用</a:t>
-            </a:r>
-            <a:r>
-              <a:rPr lang="en-US" altLang="zh-CN" sz="2000" dirty="0" err="1"/>
-              <a:t>json</a:t>
-            </a:r>
-            <a:r>
-              <a:rPr lang="zh-CN" altLang="en-US" sz="2000" dirty="0"/>
-              <a:t>扩展也可以很方便的处理</a:t>
-            </a:r>
-            <a:r>
-              <a:rPr lang="en-US" altLang="zh-CN" sz="2000" dirty="0"/>
-              <a:t>JSON</a:t>
-            </a:r>
-            <a:r>
-              <a:rPr lang="zh-CN" altLang="en-US" sz="2000" dirty="0"/>
-              <a:t>数据。</a:t>
+              <a:t>把处理用户信息和连接的操作包装成几个类方法去处理。</a:t>
             </a:r>
             <a:endParaRPr lang="en-US" altLang="zh-CN" sz="2000" dirty="0"/>
           </a:p>
@@ -5826,274 +5701,14 @@
           <a:p>
             <a:endParaRPr lang="en-US" altLang="zh-CN" sz="2000" dirty="0"/>
           </a:p>
-        </p:txBody>
-      </p:sp>
-      <p:graphicFrame>
-        <p:nvGraphicFramePr>
-          <p:cNvPr id="2" name="表格 1">
-            <a:extLst>
-              <a:ext uri="{FF2B5EF4-FFF2-40B4-BE49-F238E27FC236}">
-                <a16:creationId xmlns:a16="http://schemas.microsoft.com/office/drawing/2014/main" id="{D2439E23-1169-4691-A9A7-5F55D4608286}"/>
-              </a:ext>
-            </a:extLst>
-          </p:cNvPr>
-          <p:cNvGraphicFramePr>
-            <a:graphicFrameLocks noGrp="1"/>
-          </p:cNvGraphicFramePr>
-          <p:nvPr>
-            <p:extLst>
-              <p:ext uri="{D42A27DB-BD31-4B8C-83A1-F6EECF244321}">
-                <p14:modId xmlns:p14="http://schemas.microsoft.com/office/powerpoint/2010/main" val="956212349"/>
-              </p:ext>
-            </p:extLst>
-          </p:nvPr>
-        </p:nvGraphicFramePr>
-        <p:xfrm>
-          <a:off x="838200" y="2601732"/>
-          <a:ext cx="10515600" cy="3843456"/>
-        </p:xfrm>
-        <a:graphic>
-          <a:graphicData uri="http://schemas.openxmlformats.org/drawingml/2006/table">
-            <a:tbl>
-              <a:tblPr firstRow="1" bandRow="1">
-                <a:tableStyleId>{2D5ABB26-0587-4C30-8999-92F81FD0307C}</a:tableStyleId>
-              </a:tblPr>
-              <a:tblGrid>
-                <a:gridCol w="5257800">
-                  <a:extLst>
-                    <a:ext uri="{9D8B030D-6E8A-4147-A177-3AD203B41FA5}">
-                      <a16:colId xmlns:a16="http://schemas.microsoft.com/office/drawing/2014/main" val="1695361535"/>
-                    </a:ext>
-                  </a:extLst>
-                </a:gridCol>
-                <a:gridCol w="5257800">
-                  <a:extLst>
-                    <a:ext uri="{9D8B030D-6E8A-4147-A177-3AD203B41FA5}">
-                      <a16:colId xmlns:a16="http://schemas.microsoft.com/office/drawing/2014/main" val="2085342688"/>
-                    </a:ext>
-                  </a:extLst>
-                </a:gridCol>
-              </a:tblGrid>
-              <a:tr h="3843456">
-                <a:tc>
-                  <a:txBody>
-                    <a:bodyPr/>
-                    <a:lstStyle/>
-                    <a:p>
-                      <a:r>
-                        <a:rPr lang="zh-CN" altLang="en-US" dirty="0"/>
-                        <a:t>客户端发送：</a:t>
-                      </a:r>
-                      <a:endParaRPr lang="en-US" altLang="zh-CN" dirty="0"/>
-                    </a:p>
-                    <a:p>
-                      <a:pPr lvl="1"/>
-                      <a:r>
-                        <a:rPr lang="en-US" altLang="zh-CN" dirty="0"/>
-                        <a:t>{</a:t>
-                      </a:r>
-                    </a:p>
-                    <a:p>
-                      <a:pPr lvl="1"/>
-                      <a:r>
-                        <a:rPr lang="en-US" altLang="zh-CN" dirty="0"/>
-                        <a:t>  </a:t>
-                      </a:r>
-                      <a:r>
-                        <a:rPr lang="zh-CN" altLang="en-US" dirty="0"/>
-                        <a:t>“</a:t>
-                      </a:r>
-                      <a:r>
-                        <a:rPr lang="en-US" altLang="zh-CN" dirty="0" err="1"/>
-                        <a:t>msg</a:t>
-                      </a:r>
-                      <a:r>
-                        <a:rPr lang="zh-CN" altLang="en-US" dirty="0"/>
-                        <a:t>”</a:t>
-                      </a:r>
-                      <a:r>
-                        <a:rPr lang="en-US" altLang="zh-CN" dirty="0"/>
-                        <a:t>:”I am </a:t>
-                      </a:r>
-                      <a:r>
-                        <a:rPr lang="en-US" altLang="zh-CN" dirty="0" err="1"/>
-                        <a:t>phper</a:t>
-                      </a:r>
-                      <a:r>
-                        <a:rPr lang="en-US" altLang="zh-CN" dirty="0"/>
-                        <a:t>”</a:t>
-                      </a:r>
-                    </a:p>
-                    <a:p>
-                      <a:pPr lvl="1"/>
-                      <a:r>
-                        <a:rPr lang="en-US" altLang="zh-CN" dirty="0"/>
-                        <a:t>}</a:t>
-                      </a:r>
-                    </a:p>
-                    <a:p>
-                      <a:endParaRPr lang="en-US" altLang="zh-CN" dirty="0"/>
-                    </a:p>
-                    <a:p>
-                      <a:r>
-                        <a:rPr lang="zh-CN" altLang="en-US" dirty="0"/>
-                        <a:t>客户端接收：</a:t>
-                      </a:r>
-                      <a:endParaRPr lang="en-US" altLang="zh-CN" dirty="0"/>
-                    </a:p>
-                    <a:p>
-                      <a:pPr lvl="1"/>
-                      <a:r>
-                        <a:rPr lang="en-US" altLang="zh-CN" dirty="0"/>
-                        <a:t>{</a:t>
-                      </a:r>
-                    </a:p>
-                    <a:p>
-                      <a:pPr lvl="1"/>
-                      <a:r>
-                        <a:rPr lang="en-US" altLang="zh-CN" dirty="0"/>
-                        <a:t>  </a:t>
-                      </a:r>
-                      <a:r>
-                        <a:rPr lang="zh-CN" altLang="en-US" dirty="0"/>
-                        <a:t>“</a:t>
-                      </a:r>
-                      <a:r>
-                        <a:rPr lang="en-US" altLang="zh-CN" dirty="0" err="1"/>
-                        <a:t>from_id</a:t>
-                      </a:r>
-                      <a:r>
-                        <a:rPr lang="zh-CN" altLang="en-US" dirty="0"/>
-                        <a:t>” </a:t>
-                      </a:r>
-                      <a:r>
-                        <a:rPr lang="en-US" altLang="zh-CN" dirty="0"/>
-                        <a:t>: “12”,</a:t>
-                      </a:r>
-                    </a:p>
-                    <a:p>
-                      <a:pPr lvl="1"/>
-                      <a:r>
-                        <a:rPr lang="en-US" altLang="zh-CN" dirty="0"/>
-                        <a:t>  “</a:t>
-                      </a:r>
-                      <a:r>
-                        <a:rPr lang="en-US" altLang="zh-CN" dirty="0" err="1"/>
-                        <a:t>msg</a:t>
-                      </a:r>
-                      <a:r>
-                        <a:rPr lang="en-US" altLang="zh-CN" dirty="0"/>
-                        <a:t>”:”I am </a:t>
-                      </a:r>
-                      <a:r>
-                        <a:rPr lang="en-US" altLang="zh-CN" dirty="0" err="1"/>
-                        <a:t>phper</a:t>
-                      </a:r>
-                      <a:r>
-                        <a:rPr lang="en-US" altLang="zh-CN" dirty="0"/>
-                        <a:t>”,</a:t>
-                      </a:r>
-                    </a:p>
-                    <a:p>
-                      <a:pPr lvl="1"/>
-                      <a:r>
-                        <a:rPr lang="en-US" altLang="zh-CN" dirty="0"/>
-                        <a:t>  “msg_time”:”1456690889”</a:t>
-                      </a:r>
-                    </a:p>
-                    <a:p>
-                      <a:pPr lvl="1"/>
-                      <a:r>
-                        <a:rPr lang="en-US" altLang="zh-CN" dirty="0"/>
-                        <a:t>}</a:t>
-                      </a:r>
-                      <a:endParaRPr lang="zh-CN" altLang="en-US" dirty="0"/>
-                    </a:p>
-                    <a:p>
-                      <a:endParaRPr lang="zh-CN" altLang="en-US" dirty="0"/>
-                    </a:p>
-                  </a:txBody>
-                  <a:tcPr/>
-                </a:tc>
-                <a:tc>
-                  <a:txBody>
-                    <a:bodyPr/>
-                    <a:lstStyle/>
-                    <a:p>
-                      <a:r>
-                        <a:rPr lang="zh-CN" altLang="en-US" dirty="0"/>
-                        <a:t>服务器推送：</a:t>
-                      </a:r>
-                      <a:endParaRPr lang="en-US" altLang="zh-CN" dirty="0"/>
-                    </a:p>
-                    <a:p>
-                      <a:pPr lvl="1"/>
-                      <a:r>
-                        <a:rPr lang="en-US" altLang="zh-CN" dirty="0"/>
-                        <a:t>{</a:t>
-                      </a:r>
-                    </a:p>
-                    <a:p>
-                      <a:pPr lvl="1"/>
-                      <a:r>
-                        <a:rPr lang="en-US" altLang="zh-CN" dirty="0"/>
-                        <a:t>  </a:t>
-                      </a:r>
-                      <a:r>
-                        <a:rPr lang="zh-CN" altLang="en-US" dirty="0"/>
-                        <a:t>“</a:t>
-                      </a:r>
-                      <a:r>
-                        <a:rPr lang="en-US" altLang="zh-CN" dirty="0" err="1"/>
-                        <a:t>msg</a:t>
-                      </a:r>
-                      <a:r>
-                        <a:rPr lang="zh-CN" altLang="en-US" dirty="0"/>
-                        <a:t>”</a:t>
-                      </a:r>
-                      <a:r>
-                        <a:rPr lang="en-US" altLang="zh-CN" dirty="0"/>
-                        <a:t>:”you are login as 23 id”,</a:t>
-                      </a:r>
-                    </a:p>
-                    <a:p>
-                      <a:pPr lvl="1"/>
-                      <a:r>
-                        <a:rPr lang="en-US" altLang="zh-CN" dirty="0"/>
-                        <a:t>  “</a:t>
-                      </a:r>
-                      <a:r>
-                        <a:rPr lang="en-US" altLang="zh-CN" dirty="0" err="1"/>
-                        <a:t>msg_source”:”server</a:t>
-                      </a:r>
-                      <a:r>
-                        <a:rPr lang="en-US" altLang="zh-CN" dirty="0"/>
-                        <a:t>”</a:t>
-                      </a:r>
-                    </a:p>
-                    <a:p>
-                      <a:pPr lvl="1"/>
-                      <a:r>
-                        <a:rPr lang="en-US" altLang="zh-CN" dirty="0"/>
-                        <a:t>}</a:t>
-                      </a:r>
-                    </a:p>
-                    <a:p>
-                      <a:endParaRPr lang="zh-CN" altLang="en-US" dirty="0"/>
-                    </a:p>
-                  </a:txBody>
-                  <a:tcPr/>
-                </a:tc>
-                <a:extLst>
-                  <a:ext uri="{0D108BD9-81ED-4DB2-BD59-A6C34878D82A}">
-                    <a16:rowId xmlns:a16="http://schemas.microsoft.com/office/drawing/2014/main" val="1269303955"/>
-                  </a:ext>
-                </a:extLst>
-              </a:tr>
-            </a:tbl>
-          </a:graphicData>
-        </a:graphic>
-      </p:graphicFrame>
+          <a:p>
+            <a:endParaRPr lang="en-US" altLang="zh-CN" sz="2000" dirty="0"/>
+          </a:p>
+          <a:p>
+            <a:endParaRPr lang="en-US" altLang="zh-CN" sz="2000" dirty="0"/>
+          </a:p>
+        </p:txBody>
+      </p:sp>
     </p:spTree>
     <p:extLst>
       <p:ext uri="{BB962C8B-B14F-4D97-AF65-F5344CB8AC3E}">
@@ -6154,15 +5769,7 @@
           <a:p>
             <a:r>
               <a:rPr lang="zh-CN" altLang="en-US" dirty="0"/>
-              <a:t>为何要使用</a:t>
-            </a:r>
-            <a:r>
-              <a:rPr lang="en-US" altLang="zh-CN" dirty="0"/>
-              <a:t>Memcached</a:t>
-            </a:r>
-            <a:r>
-              <a:rPr lang="zh-CN" altLang="en-US" dirty="0"/>
-              <a:t>缓存连接数据</a:t>
+              <a:t>登录验证程序处理过程</a:t>
             </a:r>
           </a:p>
         </p:txBody>
@@ -6196,25 +5803,26 @@
           <a:lstStyle/>
           <a:p>
             <a:r>
-              <a:rPr lang="en-US" altLang="zh-CN" sz="2000" dirty="0" err="1"/>
-              <a:t>Swoole</a:t>
-            </a:r>
-            <a:r>
               <a:rPr lang="zh-CN" altLang="en-US" sz="2000" dirty="0"/>
-              <a:t>使用的是多进程。仅仅通过一个变量保存连接数据是不能保证同步的。</a:t>
+              <a:t>用户提交用户名密码后，验证程序获取数据并判断是否存在用户以及验证是否通过。</a:t>
             </a:r>
             <a:endParaRPr lang="en-US" altLang="zh-CN" sz="2000" dirty="0"/>
           </a:p>
           <a:p>
-            <a:pPr marL="0" indent="0">
-              <a:buNone/>
-            </a:pPr>
             <a:endParaRPr lang="en-US" altLang="zh-CN" sz="2000" dirty="0"/>
           </a:p>
           <a:p>
             <a:r>
               <a:rPr lang="zh-CN" altLang="en-US" sz="2000" dirty="0"/>
-              <a:t>管理进程会把请求按照指定规则分配给每个进程，而这样每个进程获得的连接信息是有差异的。</a:t>
+              <a:t>通过则在</a:t>
+            </a:r>
+            <a:r>
+              <a:rPr lang="en-US" altLang="zh-CN" sz="2000" dirty="0"/>
+              <a:t>Memcached</a:t>
+            </a:r>
+            <a:r>
+              <a:rPr lang="zh-CN" altLang="en-US" sz="2000" dirty="0"/>
+              <a:t>中写入一条记录，并返回登录凭证。错误则返回错误提示信息。</a:t>
             </a:r>
             <a:endParaRPr lang="en-US" altLang="zh-CN" sz="2000" dirty="0"/>
           </a:p>
@@ -6224,7 +5832,7 @@
           <a:p>
             <a:r>
               <a:rPr lang="zh-CN" altLang="en-US" sz="2000" dirty="0"/>
-              <a:t>避免多进程的数据不能共享问题，使用一个公共的数据缓存。</a:t>
+              <a:t>每次登录，登录凭证都不同。</a:t>
             </a:r>
             <a:endParaRPr lang="en-US" altLang="zh-CN" sz="2000" dirty="0"/>
           </a:p>
@@ -6232,19 +5840,22 @@
             <a:endParaRPr lang="en-US" altLang="zh-CN" sz="2000" dirty="0"/>
           </a:p>
           <a:p>
+            <a:r>
+              <a:rPr lang="zh-CN" altLang="en-US" sz="2000" dirty="0"/>
+              <a:t>简单实现过程查看结果，暂时不设定</a:t>
+            </a:r>
+            <a:r>
+              <a:rPr lang="en-US" altLang="zh-CN" sz="2000" dirty="0"/>
+              <a:t>token</a:t>
+            </a:r>
+            <a:r>
+              <a:rPr lang="zh-CN" altLang="en-US" sz="2000" dirty="0"/>
+              <a:t>有效期。</a:t>
+            </a:r>
             <a:endParaRPr lang="en-US" altLang="zh-CN" sz="2000" dirty="0"/>
           </a:p>
           <a:p>
-            <a:endParaRPr lang="en-US" altLang="zh-CN" sz="2000" dirty="0"/>
-          </a:p>
-          <a:p>
-            <a:endParaRPr lang="en-US" altLang="zh-CN" sz="2000" dirty="0"/>
-          </a:p>
-          <a:p>
-            <a:pPr marL="0" indent="0">
-              <a:buNone/>
-            </a:pPr>
-            <a:endParaRPr lang="en-US" altLang="zh-CN" sz="2000" dirty="0"/>
+            <a:endParaRPr lang="en-US" altLang="zh-CN" sz="1600" dirty="0"/>
           </a:p>
           <a:p>
             <a:endParaRPr lang="en-US" altLang="zh-CN" sz="2000" dirty="0"/>
@@ -6254,7 +5865,7 @@
     </p:spTree>
     <p:extLst>
       <p:ext uri="{BB962C8B-B14F-4D97-AF65-F5344CB8AC3E}">
-        <p14:creationId xmlns:p14="http://schemas.microsoft.com/office/powerpoint/2010/main" val="1018546089"/>
+        <p14:creationId xmlns:p14="http://schemas.microsoft.com/office/powerpoint/2010/main" val="3334003570"/>
       </p:ext>
     </p:extLst>
   </p:cSld>
@@ -6311,7 +5922,7 @@
           <a:p>
             <a:r>
               <a:rPr lang="zh-CN" altLang="en-US" dirty="0"/>
-              <a:t>设计实现分析</a:t>
+              <a:t>初始化操作</a:t>
             </a:r>
           </a:p>
         </p:txBody>
@@ -6344,50 +5955,260 @@
           </a:bodyPr>
           <a:lstStyle/>
           <a:p>
-            <a:r>
-              <a:rPr lang="zh-CN" altLang="en-US" sz="2000" dirty="0"/>
-              <a:t>因为服务要在后台运行，所以要创建守护进程。</a:t>
-            </a:r>
-            <a:endParaRPr lang="en-US" altLang="zh-CN" sz="2000" dirty="0"/>
-          </a:p>
-          <a:p>
-            <a:endParaRPr lang="en-US" altLang="zh-CN" sz="2000" dirty="0"/>
-          </a:p>
-          <a:p>
-            <a:r>
-              <a:rPr lang="zh-CN" altLang="en-US" sz="2000" dirty="0"/>
-              <a:t>要能够处理</a:t>
-            </a:r>
-            <a:r>
-              <a:rPr lang="en-US" altLang="zh-CN" sz="2000" dirty="0"/>
-              <a:t>SIGTERM</a:t>
-            </a:r>
-            <a:r>
-              <a:rPr lang="zh-CN" altLang="en-US" sz="2000" dirty="0"/>
-              <a:t>信号，捕获信号以后，清理</a:t>
+            <a:pPr marL="0" indent="0">
+              <a:buNone/>
+            </a:pPr>
+            <a:r>
+              <a:rPr lang="en-US" altLang="zh-CN" sz="2000" dirty="0"/>
+              <a:t>   function __construct()</a:t>
+            </a:r>
+            <a:br>
+              <a:rPr lang="en-US" altLang="zh-CN" sz="2000" dirty="0"/>
+            </a:br>
+            <a:r>
+              <a:rPr lang="en-US" altLang="zh-CN" sz="2000" dirty="0"/>
+              <a:t>   {</a:t>
+            </a:r>
+            <a:br>
+              <a:rPr lang="en-US" altLang="zh-CN" sz="2000" dirty="0"/>
+            </a:br>
+            <a:r>
+              <a:rPr lang="en-US" altLang="zh-CN" sz="2000" dirty="0"/>
+              <a:t>        $this-&gt;</a:t>
             </a:r>
             <a:r>
               <a:rPr lang="en-US" altLang="zh-CN" sz="2000" dirty="0" err="1"/>
-              <a:t>memcached</a:t>
-            </a:r>
-            <a:r>
-              <a:rPr lang="zh-CN" altLang="en-US" sz="2000" dirty="0"/>
-              <a:t>缓存数据，关闭连接。</a:t>
-            </a:r>
-            <a:endParaRPr lang="en-US" altLang="zh-CN" sz="2000" dirty="0"/>
-          </a:p>
-          <a:p>
-            <a:endParaRPr lang="en-US" altLang="zh-CN" sz="2000" dirty="0"/>
-          </a:p>
-          <a:p>
-            <a:r>
-              <a:rPr lang="zh-CN" altLang="en-US" sz="2000" dirty="0"/>
-              <a:t>服务端程序仅仅是做转发处理。</a:t>
-            </a:r>
-            <a:endParaRPr lang="en-US" altLang="zh-CN" sz="2000" dirty="0"/>
-          </a:p>
-          <a:p>
-            <a:endParaRPr lang="en-US" altLang="zh-CN" sz="1600" dirty="0"/>
+              <a:t>server_pid</a:t>
+            </a:r>
+            <a:r>
+              <a:rPr lang="en-US" altLang="zh-CN" sz="2000" dirty="0"/>
+              <a:t> = </a:t>
+            </a:r>
+            <a:r>
+              <a:rPr lang="en-US" altLang="zh-CN" sz="2000" dirty="0" err="1"/>
+              <a:t>posix_getpid</a:t>
+            </a:r>
+            <a:r>
+              <a:rPr lang="en-US" altLang="zh-CN" sz="2000" dirty="0"/>
+              <a:t>();</a:t>
+            </a:r>
+            <a:br>
+              <a:rPr lang="en-US" altLang="zh-CN" sz="2000" dirty="0"/>
+            </a:br>
+            <a:r>
+              <a:rPr lang="en-US" altLang="zh-CN" sz="2000" dirty="0"/>
+              <a:t>        $this-&gt;</a:t>
+            </a:r>
+            <a:r>
+              <a:rPr lang="en-US" altLang="zh-CN" sz="2000" dirty="0" err="1"/>
+              <a:t>mcache</a:t>
+            </a:r>
+            <a:r>
+              <a:rPr lang="en-US" altLang="zh-CN" sz="2000" dirty="0"/>
+              <a:t> = new Memcached('</a:t>
+            </a:r>
+            <a:r>
+              <a:rPr lang="en-US" altLang="zh-CN" sz="2000" dirty="0" err="1"/>
+              <a:t>wschat_pool</a:t>
+            </a:r>
+            <a:r>
+              <a:rPr lang="en-US" altLang="zh-CN" sz="2000" dirty="0"/>
+              <a:t>’);</a:t>
+            </a:r>
+          </a:p>
+          <a:p>
+            <a:pPr marL="0" indent="0">
+              <a:buNone/>
+            </a:pPr>
+            <a:r>
+              <a:rPr lang="en-US" altLang="zh-CN" sz="2000" dirty="0"/>
+              <a:t>        $this-&gt;</a:t>
+            </a:r>
+            <a:r>
+              <a:rPr lang="en-US" altLang="zh-CN" sz="2000" dirty="0" err="1"/>
+              <a:t>mcache</a:t>
+            </a:r>
+            <a:r>
+              <a:rPr lang="en-US" altLang="zh-CN" sz="2000" dirty="0"/>
+              <a:t>-&gt;</a:t>
+            </a:r>
+            <a:r>
+              <a:rPr lang="en-US" altLang="zh-CN" sz="2000" dirty="0" err="1"/>
+              <a:t>addServer</a:t>
+            </a:r>
+            <a:r>
+              <a:rPr lang="en-US" altLang="zh-CN" sz="2000" dirty="0"/>
+              <a:t>('localhost',11211);</a:t>
+            </a:r>
+          </a:p>
+          <a:p>
+            <a:pPr marL="0" indent="0">
+              <a:buNone/>
+            </a:pPr>
+            <a:r>
+              <a:rPr lang="en-US" altLang="zh-CN" sz="2000" dirty="0"/>
+              <a:t>        </a:t>
+            </a:r>
+            <a:r>
+              <a:rPr lang="en-US" altLang="zh-CN" sz="1600" i="1" dirty="0"/>
+              <a:t>//</a:t>
+            </a:r>
+            <a:r>
+              <a:rPr lang="zh-CN" altLang="en-US" sz="1600" i="1" dirty="0"/>
+              <a:t>加入权限验证服务</a:t>
+            </a:r>
+            <a:br>
+              <a:rPr lang="en-US" altLang="zh-CN" sz="2000" dirty="0"/>
+            </a:br>
+            <a:r>
+              <a:rPr lang="en-US" altLang="zh-CN" sz="2000" dirty="0">
+                <a:solidFill>
+                  <a:srgbClr val="C00000"/>
+                </a:solidFill>
+              </a:rPr>
+              <a:t>        $this-&gt;</a:t>
+            </a:r>
+            <a:r>
+              <a:rPr lang="en-US" altLang="zh-CN" sz="2000" dirty="0" err="1">
+                <a:solidFill>
+                  <a:srgbClr val="C00000"/>
+                </a:solidFill>
+              </a:rPr>
+              <a:t>auth_cache</a:t>
+            </a:r>
+            <a:r>
+              <a:rPr lang="en-US" altLang="zh-CN" sz="2000" dirty="0">
+                <a:solidFill>
+                  <a:srgbClr val="C00000"/>
+                </a:solidFill>
+              </a:rPr>
+              <a:t> = new Memcached('</a:t>
+            </a:r>
+            <a:r>
+              <a:rPr lang="en-US" altLang="zh-CN" sz="2000" dirty="0" err="1">
+                <a:solidFill>
+                  <a:srgbClr val="C00000"/>
+                </a:solidFill>
+              </a:rPr>
+              <a:t>auth</a:t>
+            </a:r>
+            <a:r>
+              <a:rPr lang="en-US" altLang="zh-CN" sz="2000" dirty="0">
+                <a:solidFill>
+                  <a:srgbClr val="C00000"/>
+                </a:solidFill>
+              </a:rPr>
+              <a:t>');</a:t>
+            </a:r>
+            <a:br>
+              <a:rPr lang="en-US" altLang="zh-CN" sz="2000" dirty="0">
+                <a:solidFill>
+                  <a:srgbClr val="C00000"/>
+                </a:solidFill>
+              </a:rPr>
+            </a:br>
+            <a:r>
+              <a:rPr lang="en-US" altLang="zh-CN" sz="2000" dirty="0">
+                <a:solidFill>
+                  <a:srgbClr val="C00000"/>
+                </a:solidFill>
+              </a:rPr>
+              <a:t>        $this-&gt;</a:t>
+            </a:r>
+            <a:r>
+              <a:rPr lang="en-US" altLang="zh-CN" sz="2000" dirty="0" err="1">
+                <a:solidFill>
+                  <a:srgbClr val="C00000"/>
+                </a:solidFill>
+              </a:rPr>
+              <a:t>auth_cache</a:t>
+            </a:r>
+            <a:r>
+              <a:rPr lang="en-US" altLang="zh-CN" sz="2000" dirty="0">
+                <a:solidFill>
+                  <a:srgbClr val="C00000"/>
+                </a:solidFill>
+              </a:rPr>
+              <a:t>-&gt;</a:t>
+            </a:r>
+            <a:r>
+              <a:rPr lang="en-US" altLang="zh-CN" sz="2000" dirty="0" err="1">
+                <a:solidFill>
+                  <a:srgbClr val="C00000"/>
+                </a:solidFill>
+              </a:rPr>
+              <a:t>addServer</a:t>
+            </a:r>
+            <a:r>
+              <a:rPr lang="en-US" altLang="zh-CN" sz="2000" dirty="0">
+                <a:solidFill>
+                  <a:srgbClr val="C00000"/>
+                </a:solidFill>
+              </a:rPr>
+              <a:t>('localhost',11211);</a:t>
+            </a:r>
+            <a:br>
+              <a:rPr lang="en-US" altLang="zh-CN" sz="2000" dirty="0">
+                <a:solidFill>
+                  <a:srgbClr val="C00000"/>
+                </a:solidFill>
+              </a:rPr>
+            </a:br>
+            <a:r>
+              <a:rPr lang="en-US" altLang="zh-CN" sz="2000" dirty="0"/>
+              <a:t>        </a:t>
+            </a:r>
+            <a:br>
+              <a:rPr lang="en-US" altLang="zh-CN" sz="2000" dirty="0"/>
+            </a:br>
+            <a:r>
+              <a:rPr lang="en-US" altLang="zh-CN" sz="2000" dirty="0"/>
+              <a:t>        $this-&gt;server = new </a:t>
+            </a:r>
+            <a:r>
+              <a:rPr lang="en-US" altLang="zh-CN" sz="2000" dirty="0" err="1"/>
+              <a:t>swoole_websocket_server</a:t>
+            </a:r>
+            <a:r>
+              <a:rPr lang="en-US" altLang="zh-CN" sz="2000" dirty="0"/>
+              <a:t>('localhost',7654);</a:t>
+            </a:r>
+            <a:br>
+              <a:rPr lang="en-US" altLang="zh-CN" sz="2000" dirty="0"/>
+            </a:br>
+            <a:r>
+              <a:rPr lang="en-US" altLang="zh-CN" sz="2000" dirty="0"/>
+              <a:t>        $this-&gt;server-&gt;set([</a:t>
+            </a:r>
+            <a:br>
+              <a:rPr lang="en-US" altLang="zh-CN" sz="2000" dirty="0"/>
+            </a:br>
+            <a:r>
+              <a:rPr lang="en-US" altLang="zh-CN" sz="2000" dirty="0"/>
+              <a:t>            '</a:t>
+            </a:r>
+            <a:r>
+              <a:rPr lang="en-US" altLang="zh-CN" sz="2000" dirty="0" err="1"/>
+              <a:t>daemonize</a:t>
+            </a:r>
+            <a:r>
+              <a:rPr lang="en-US" altLang="zh-CN" sz="2000" dirty="0"/>
+              <a:t>' =&gt; 1</a:t>
+            </a:r>
+            <a:br>
+              <a:rPr lang="en-US" altLang="zh-CN" sz="2000" dirty="0"/>
+            </a:br>
+            <a:r>
+              <a:rPr lang="en-US" altLang="zh-CN" sz="2000" dirty="0"/>
+              <a:t>        ]);</a:t>
+            </a:r>
+            <a:br>
+              <a:rPr lang="en-US" altLang="zh-CN" sz="2000" dirty="0"/>
+            </a:br>
+            <a:r>
+              <a:rPr lang="en-US" altLang="zh-CN" sz="2000" dirty="0"/>
+              <a:t>    }</a:t>
+            </a:r>
           </a:p>
           <a:p>
             <a:endParaRPr lang="en-US" altLang="zh-CN" sz="2000" dirty="0"/>
@@ -6397,7 +6218,7 @@
     </p:spTree>
     <p:extLst>
       <p:ext uri="{BB962C8B-B14F-4D97-AF65-F5344CB8AC3E}">
-        <p14:creationId xmlns:p14="http://schemas.microsoft.com/office/powerpoint/2010/main" val="3334003570"/>
+        <p14:creationId xmlns:p14="http://schemas.microsoft.com/office/powerpoint/2010/main" val="2597762662"/>
       </p:ext>
     </p:extLst>
   </p:cSld>
@@ -6454,7 +6275,15 @@
           <a:p>
             <a:r>
               <a:rPr lang="zh-CN" altLang="en-US" dirty="0"/>
-              <a:t>初始化操作</a:t>
+              <a:t>连接建立的操作：</a:t>
+            </a:r>
+            <a:r>
+              <a:rPr lang="en-US" altLang="zh-CN" dirty="0" err="1"/>
+              <a:t>onOpen</a:t>
+            </a:r>
+            <a:r>
+              <a:rPr lang="zh-CN" altLang="en-US" dirty="0"/>
+              <a:t>事件</a:t>
             </a:r>
           </a:p>
         </p:txBody>
@@ -6478,82 +6307,462 @@
         <p:spPr>
           <a:xfrm>
             <a:off x="838200" y="1656500"/>
-            <a:ext cx="10515600" cy="4850832"/>
+            <a:ext cx="10515600" cy="5108284"/>
           </a:xfrm>
         </p:spPr>
         <p:txBody>
           <a:bodyPr>
-            <a:normAutofit/>
+            <a:noAutofit/>
           </a:bodyPr>
           <a:lstStyle/>
           <a:p>
-            <a:r>
-              <a:rPr lang="zh-CN" altLang="en-US" sz="2000" dirty="0"/>
-              <a:t>开启</a:t>
-            </a:r>
-            <a:r>
-              <a:rPr lang="en-US" altLang="zh-CN" sz="2000" dirty="0"/>
+            <a:pPr>
+              <a:lnSpc>
+                <a:spcPct val="100000"/>
+              </a:lnSpc>
+            </a:pPr>
+            <a:r>
+              <a:rPr lang="en-US" altLang="zh-CN" sz="1800" dirty="0"/>
+              <a:t>    public function </a:t>
+            </a:r>
+            <a:r>
+              <a:rPr lang="en-US" altLang="zh-CN" sz="1800" dirty="0" err="1"/>
+              <a:t>on_open</a:t>
+            </a:r>
+            <a:r>
+              <a:rPr lang="en-US" altLang="zh-CN" sz="1800" dirty="0"/>
+              <a:t>($server, $</a:t>
+            </a:r>
+            <a:r>
+              <a:rPr lang="en-US" altLang="zh-CN" sz="1800" dirty="0" err="1"/>
+              <a:t>req</a:t>
+            </a:r>
+            <a:r>
+              <a:rPr lang="en-US" altLang="zh-CN" sz="1800" dirty="0"/>
+              <a:t>) {</a:t>
+            </a:r>
+            <a:br>
+              <a:rPr lang="en-US" altLang="zh-CN" sz="1800" dirty="0"/>
+            </a:br>
+            <a:r>
+              <a:rPr lang="en-US" altLang="zh-CN" sz="1800" dirty="0"/>
+              <a:t>        if (!$this-&gt;</a:t>
+            </a:r>
+            <a:r>
+              <a:rPr lang="en-US" altLang="zh-CN" sz="1800" dirty="0" err="1"/>
+              <a:t>auth_cache</a:t>
+            </a:r>
+            <a:r>
+              <a:rPr lang="en-US" altLang="zh-CN" sz="1800" dirty="0"/>
+              <a:t>-&gt;get($</a:t>
+            </a:r>
+            <a:r>
+              <a:rPr lang="en-US" altLang="zh-CN" sz="1800" dirty="0" err="1"/>
+              <a:t>req</a:t>
+            </a:r>
+            <a:r>
+              <a:rPr lang="en-US" altLang="zh-CN" sz="1800" dirty="0"/>
+              <a:t>-&gt;get[‘</a:t>
+            </a:r>
+            <a:r>
+              <a:rPr lang="en-US" altLang="zh-CN" sz="1800" dirty="0" err="1"/>
+              <a:t>user_token</a:t>
+            </a:r>
+            <a:r>
+              <a:rPr lang="en-US" altLang="zh-CN" sz="1800" dirty="0"/>
+              <a:t>’])) {</a:t>
+            </a:r>
+            <a:r>
+              <a:rPr lang="en-US" altLang="zh-CN" sz="1600" i="1" dirty="0">
+                <a:solidFill>
+                  <a:srgbClr val="C00000"/>
+                </a:solidFill>
+              </a:rPr>
+              <a:t>//</a:t>
+            </a:r>
+            <a:r>
+              <a:rPr lang="zh-CN" altLang="en-US" sz="1600" i="1" dirty="0">
+                <a:solidFill>
+                  <a:srgbClr val="C00000"/>
+                </a:solidFill>
+              </a:rPr>
+              <a:t>获取</a:t>
+            </a:r>
+            <a:r>
+              <a:rPr lang="en-US" altLang="zh-CN" sz="1600" i="1" dirty="0">
+                <a:solidFill>
+                  <a:srgbClr val="C00000"/>
+                </a:solidFill>
+              </a:rPr>
+              <a:t>token</a:t>
+            </a:r>
+            <a:r>
+              <a:rPr lang="zh-CN" altLang="en-US" sz="1600" i="1" dirty="0">
+                <a:solidFill>
+                  <a:srgbClr val="C00000"/>
+                </a:solidFill>
+              </a:rPr>
+              <a:t>从</a:t>
+            </a:r>
+            <a:r>
+              <a:rPr lang="en-US" altLang="zh-CN" sz="1600" i="1" dirty="0">
+                <a:solidFill>
+                  <a:srgbClr val="C00000"/>
+                </a:solidFill>
+              </a:rPr>
               <a:t>Memcached</a:t>
             </a:r>
             <a:r>
-              <a:rPr lang="zh-CN" altLang="en-US" sz="2000" dirty="0"/>
-              <a:t>连接，并初始化</a:t>
-            </a:r>
-            <a:r>
-              <a:rPr lang="en-US" altLang="zh-CN" sz="2000" dirty="0" err="1"/>
-              <a:t>websocket_server</a:t>
-            </a:r>
-            <a:r>
-              <a:rPr lang="zh-CN" altLang="en-US" sz="2000" dirty="0"/>
-              <a:t>对象。</a:t>
-            </a:r>
-            <a:endParaRPr lang="en-US" altLang="zh-CN" sz="2000" dirty="0"/>
-          </a:p>
-          <a:p>
-            <a:endParaRPr lang="en-US" altLang="zh-CN" sz="2000" dirty="0"/>
-          </a:p>
-        </p:txBody>
-      </p:sp>
-      <p:pic>
-        <p:nvPicPr>
-          <p:cNvPr id="3" name="图片 2">
-            <a:extLst>
-              <a:ext uri="{FF2B5EF4-FFF2-40B4-BE49-F238E27FC236}">
-                <a16:creationId xmlns:a16="http://schemas.microsoft.com/office/drawing/2014/main" id="{706F0ADE-08A5-43F4-A948-BB37EA568B97}"/>
-              </a:ext>
-            </a:extLst>
-          </p:cNvPr>
-          <p:cNvPicPr>
-            <a:picLocks noChangeAspect="1"/>
-          </p:cNvPicPr>
-          <p:nvPr/>
-        </p:nvPicPr>
-        <p:blipFill>
-          <a:blip r:embed="rId3">
-            <a:extLst>
-              <a:ext uri="{28A0092B-C50C-407E-A947-70E740481C1C}">
-                <a14:useLocalDpi xmlns:a14="http://schemas.microsoft.com/office/drawing/2010/main" val="0"/>
-              </a:ext>
-            </a:extLst>
-          </a:blip>
-          <a:stretch>
-            <a:fillRect/>
-          </a:stretch>
-        </p:blipFill>
-        <p:spPr>
-          <a:xfrm>
-            <a:off x="906780" y="2489336"/>
-            <a:ext cx="10447020" cy="3185160"/>
-          </a:xfrm>
-          <a:prstGeom prst="rect">
-            <a:avLst/>
-          </a:prstGeom>
-        </p:spPr>
-      </p:pic>
+              <a:rPr lang="zh-CN" altLang="en-US" sz="1600" i="1" dirty="0">
+                <a:solidFill>
+                  <a:srgbClr val="C00000"/>
+                </a:solidFill>
+              </a:rPr>
+              <a:t>查询是否存在</a:t>
+            </a:r>
+            <a:br>
+              <a:rPr lang="en-US" altLang="zh-CN" sz="1800" dirty="0">
+                <a:solidFill>
+                  <a:srgbClr val="C00000"/>
+                </a:solidFill>
+              </a:rPr>
+            </a:br>
+            <a:r>
+              <a:rPr lang="en-US" altLang="zh-CN" sz="1800" dirty="0"/>
+              <a:t>            $server-&gt;push($</a:t>
+            </a:r>
+            <a:r>
+              <a:rPr lang="en-US" altLang="zh-CN" sz="1800" dirty="0" err="1"/>
+              <a:t>req</a:t>
+            </a:r>
+            <a:r>
+              <a:rPr lang="en-US" altLang="zh-CN" sz="1800" dirty="0"/>
+              <a:t>-&gt;</a:t>
+            </a:r>
+            <a:r>
+              <a:rPr lang="en-US" altLang="zh-CN" sz="1800" dirty="0" err="1"/>
+              <a:t>fd,json_encode</a:t>
+            </a:r>
+            <a:r>
+              <a:rPr lang="en-US" altLang="zh-CN" sz="1800" dirty="0"/>
+              <a:t>([</a:t>
+            </a:r>
+            <a:br>
+              <a:rPr lang="en-US" altLang="zh-CN" sz="1800" dirty="0"/>
+            </a:br>
+            <a:r>
+              <a:rPr lang="en-US" altLang="zh-CN" sz="1800" dirty="0"/>
+              <a:t>                '</a:t>
+            </a:r>
+            <a:r>
+              <a:rPr lang="en-US" altLang="zh-CN" sz="1800" dirty="0" err="1"/>
+              <a:t>msg_source</a:t>
+            </a:r>
+            <a:r>
+              <a:rPr lang="en-US" altLang="zh-CN" sz="1800" dirty="0"/>
+              <a:t>'=&gt;'server',</a:t>
+            </a:r>
+            <a:br>
+              <a:rPr lang="en-US" altLang="zh-CN" sz="1800" dirty="0"/>
+            </a:br>
+            <a:r>
+              <a:rPr lang="en-US" altLang="zh-CN" sz="1800" dirty="0"/>
+              <a:t>                '</a:t>
+            </a:r>
+            <a:r>
+              <a:rPr lang="en-US" altLang="zh-CN" sz="1800" dirty="0" err="1"/>
+              <a:t>msg</a:t>
+            </a:r>
+            <a:r>
+              <a:rPr lang="en-US" altLang="zh-CN" sz="1800" dirty="0"/>
+              <a:t>'=&gt;'you need to login.'.$</a:t>
+            </a:r>
+            <a:r>
+              <a:rPr lang="en-US" altLang="zh-CN" sz="1800" dirty="0" err="1"/>
+              <a:t>req</a:t>
+            </a:r>
+            <a:r>
+              <a:rPr lang="en-US" altLang="zh-CN" sz="1800" dirty="0"/>
+              <a:t>-&gt;get['</a:t>
+            </a:r>
+            <a:r>
+              <a:rPr lang="en-US" altLang="zh-CN" sz="1800" dirty="0" err="1"/>
+              <a:t>user_token</a:t>
+            </a:r>
+            <a:r>
+              <a:rPr lang="en-US" altLang="zh-CN" sz="1800" dirty="0"/>
+              <a:t>'],</a:t>
+            </a:r>
+            <a:br>
+              <a:rPr lang="en-US" altLang="zh-CN" sz="1800" dirty="0"/>
+            </a:br>
+            <a:r>
+              <a:rPr lang="en-US" altLang="zh-CN" sz="1800" dirty="0"/>
+              <a:t>                'error'=&gt;-1</a:t>
+            </a:r>
+            <a:br>
+              <a:rPr lang="en-US" altLang="zh-CN" sz="1800" dirty="0"/>
+            </a:br>
+            <a:r>
+              <a:rPr lang="en-US" altLang="zh-CN" sz="1800" dirty="0"/>
+              <a:t>            ]));</a:t>
+            </a:r>
+            <a:br>
+              <a:rPr lang="en-US" altLang="zh-CN" sz="1800" dirty="0"/>
+            </a:br>
+            <a:r>
+              <a:rPr lang="en-US" altLang="zh-CN" sz="1800" dirty="0"/>
+              <a:t>            $server-&gt;close($</a:t>
+            </a:r>
+            <a:r>
+              <a:rPr lang="en-US" altLang="zh-CN" sz="1800" dirty="0" err="1"/>
+              <a:t>req</a:t>
+            </a:r>
+            <a:r>
+              <a:rPr lang="en-US" altLang="zh-CN" sz="1800" dirty="0"/>
+              <a:t>-&gt;</a:t>
+            </a:r>
+            <a:r>
+              <a:rPr lang="en-US" altLang="zh-CN" sz="1800" dirty="0" err="1"/>
+              <a:t>fd</a:t>
+            </a:r>
+            <a:r>
+              <a:rPr lang="en-US" altLang="zh-CN" sz="1800" dirty="0"/>
+              <a:t>);</a:t>
+            </a:r>
+            <a:br>
+              <a:rPr lang="en-US" altLang="zh-CN" sz="1800" dirty="0"/>
+            </a:br>
+            <a:r>
+              <a:rPr lang="en-US" altLang="zh-CN" sz="1800" dirty="0"/>
+              <a:t>        }</a:t>
+            </a:r>
+            <a:br>
+              <a:rPr lang="en-US" altLang="zh-CN" sz="1800" dirty="0"/>
+            </a:br>
+            <a:r>
+              <a:rPr lang="en-US" altLang="zh-CN" sz="1800" dirty="0"/>
+              <a:t>        $this-&gt;</a:t>
+            </a:r>
+            <a:r>
+              <a:rPr lang="en-US" altLang="zh-CN" sz="1800" dirty="0" err="1"/>
+              <a:t>mcache</a:t>
+            </a:r>
+            <a:r>
+              <a:rPr lang="en-US" altLang="zh-CN" sz="1800" dirty="0"/>
+              <a:t>-&gt;set($this-&gt;conn_head.$</a:t>
+            </a:r>
+            <a:r>
+              <a:rPr lang="en-US" altLang="zh-CN" sz="1800" dirty="0" err="1"/>
+              <a:t>req</a:t>
+            </a:r>
+            <a:r>
+              <a:rPr lang="en-US" altLang="zh-CN" sz="1800" dirty="0"/>
+              <a:t>-&gt;</a:t>
+            </a:r>
+            <a:r>
+              <a:rPr lang="en-US" altLang="zh-CN" sz="1800" dirty="0" err="1"/>
+              <a:t>fd</a:t>
+            </a:r>
+            <a:r>
+              <a:rPr lang="en-US" altLang="zh-CN" sz="1800" dirty="0"/>
+              <a:t>, $</a:t>
+            </a:r>
+            <a:r>
+              <a:rPr lang="en-US" altLang="zh-CN" sz="1800" dirty="0" err="1"/>
+              <a:t>req</a:t>
+            </a:r>
+            <a:r>
+              <a:rPr lang="en-US" altLang="zh-CN" sz="1800" dirty="0"/>
+              <a:t>-&gt;</a:t>
+            </a:r>
+            <a:r>
+              <a:rPr lang="en-US" altLang="zh-CN" sz="1800" dirty="0" err="1"/>
+              <a:t>fd</a:t>
+            </a:r>
+            <a:r>
+              <a:rPr lang="en-US" altLang="zh-CN" sz="1800" dirty="0"/>
+              <a:t>);</a:t>
+            </a:r>
+            <a:br>
+              <a:rPr lang="en-US" altLang="zh-CN" sz="1800" dirty="0"/>
+            </a:br>
+            <a:r>
+              <a:rPr lang="en-US" altLang="zh-CN" sz="1800" dirty="0"/>
+              <a:t>        //</a:t>
+            </a:r>
+            <a:r>
+              <a:rPr lang="zh-CN" altLang="en-US" sz="1800" dirty="0"/>
+              <a:t>关联</a:t>
+            </a:r>
+            <a:r>
+              <a:rPr lang="en-US" altLang="zh-CN" sz="1800" dirty="0"/>
+              <a:t>token</a:t>
+            </a:r>
+            <a:r>
+              <a:rPr lang="zh-CN" altLang="en-US" sz="1800" dirty="0"/>
+              <a:t>和连接</a:t>
+            </a:r>
+            <a:br>
+              <a:rPr lang="zh-CN" altLang="en-US" sz="1800" dirty="0"/>
+            </a:br>
+            <a:r>
+              <a:rPr lang="zh-CN" altLang="en-US" sz="1800" dirty="0"/>
+              <a:t>        </a:t>
+            </a:r>
+            <a:r>
+              <a:rPr lang="en-US" altLang="zh-CN" sz="1800" dirty="0"/>
+              <a:t>$this-&gt;</a:t>
+            </a:r>
+            <a:r>
+              <a:rPr lang="en-US" altLang="zh-CN" sz="1800" dirty="0" err="1"/>
+              <a:t>auth_cache</a:t>
+            </a:r>
+            <a:r>
+              <a:rPr lang="en-US" altLang="zh-CN" sz="1800" dirty="0"/>
+              <a:t>-&gt;set('token_'.$</a:t>
+            </a:r>
+            <a:r>
+              <a:rPr lang="en-US" altLang="zh-CN" sz="1800" dirty="0" err="1"/>
+              <a:t>req</a:t>
+            </a:r>
+            <a:r>
+              <a:rPr lang="en-US" altLang="zh-CN" sz="1800" dirty="0"/>
+              <a:t>-&gt;</a:t>
+            </a:r>
+            <a:r>
+              <a:rPr lang="en-US" altLang="zh-CN" sz="1800" dirty="0" err="1"/>
+              <a:t>fd</a:t>
+            </a:r>
+            <a:r>
+              <a:rPr lang="en-US" altLang="zh-CN" sz="1800" dirty="0"/>
+              <a:t>, $</a:t>
+            </a:r>
+            <a:r>
+              <a:rPr lang="en-US" altLang="zh-CN" sz="1800" dirty="0" err="1"/>
+              <a:t>req</a:t>
+            </a:r>
+            <a:r>
+              <a:rPr lang="en-US" altLang="zh-CN" sz="1800" dirty="0"/>
+              <a:t>-&gt;get['</a:t>
+            </a:r>
+            <a:r>
+              <a:rPr lang="en-US" altLang="zh-CN" sz="1800" dirty="0" err="1"/>
+              <a:t>user_token</a:t>
+            </a:r>
+            <a:r>
+              <a:rPr lang="en-US" altLang="zh-CN" sz="1800" dirty="0"/>
+              <a:t>']);</a:t>
+            </a:r>
+            <a:br>
+              <a:rPr lang="en-US" altLang="zh-CN" sz="1800" dirty="0"/>
+            </a:br>
+            <a:r>
+              <a:rPr lang="en-US" altLang="zh-CN" sz="1800" dirty="0"/>
+              <a:t>        $</a:t>
+            </a:r>
+            <a:r>
+              <a:rPr lang="en-US" altLang="zh-CN" sz="1800" dirty="0" err="1"/>
+              <a:t>sys_msg</a:t>
+            </a:r>
+            <a:r>
+              <a:rPr lang="en-US" altLang="zh-CN" sz="1800" dirty="0"/>
+              <a:t> = [</a:t>
+            </a:r>
+            <a:br>
+              <a:rPr lang="en-US" altLang="zh-CN" sz="1800" dirty="0"/>
+            </a:br>
+            <a:r>
+              <a:rPr lang="en-US" altLang="zh-CN" sz="1800" dirty="0"/>
+              <a:t>            '</a:t>
+            </a:r>
+            <a:r>
+              <a:rPr lang="en-US" altLang="zh-CN" sz="1800" dirty="0" err="1"/>
+              <a:t>msg_source</a:t>
+            </a:r>
+            <a:r>
+              <a:rPr lang="en-US" altLang="zh-CN" sz="1800" dirty="0"/>
+              <a:t>'=&gt;'server',</a:t>
+            </a:r>
+            <a:br>
+              <a:rPr lang="en-US" altLang="zh-CN" sz="1800" dirty="0"/>
+            </a:br>
+            <a:r>
+              <a:rPr lang="en-US" altLang="zh-CN" sz="1800" dirty="0"/>
+              <a:t>            '</a:t>
+            </a:r>
+            <a:r>
+              <a:rPr lang="en-US" altLang="zh-CN" sz="1800" dirty="0" err="1"/>
+              <a:t>msg</a:t>
+            </a:r>
+            <a:r>
+              <a:rPr lang="en-US" altLang="zh-CN" sz="1800" dirty="0"/>
+              <a:t>'=&gt;'you are login at '.$</a:t>
+            </a:r>
+            <a:r>
+              <a:rPr lang="en-US" altLang="zh-CN" sz="1800" dirty="0" err="1"/>
+              <a:t>req</a:t>
+            </a:r>
+            <a:r>
+              <a:rPr lang="en-US" altLang="zh-CN" sz="1800" dirty="0"/>
+              <a:t>-&gt;</a:t>
+            </a:r>
+            <a:r>
+              <a:rPr lang="en-US" altLang="zh-CN" sz="1800" dirty="0" err="1"/>
+              <a:t>fd</a:t>
+            </a:r>
+            <a:br>
+              <a:rPr lang="en-US" altLang="zh-CN" sz="1800" dirty="0"/>
+            </a:br>
+            <a:r>
+              <a:rPr lang="en-US" altLang="zh-CN" sz="1800" dirty="0"/>
+              <a:t>        ];</a:t>
+            </a:r>
+            <a:br>
+              <a:rPr lang="en-US" altLang="zh-CN" sz="1800" dirty="0"/>
+            </a:br>
+            <a:r>
+              <a:rPr lang="en-US" altLang="zh-CN" sz="1800" dirty="0"/>
+              <a:t>        $server-&gt;push($</a:t>
+            </a:r>
+            <a:r>
+              <a:rPr lang="en-US" altLang="zh-CN" sz="1800" dirty="0" err="1"/>
+              <a:t>req</a:t>
+            </a:r>
+            <a:r>
+              <a:rPr lang="en-US" altLang="zh-CN" sz="1800" dirty="0"/>
+              <a:t>-&gt;</a:t>
+            </a:r>
+            <a:r>
+              <a:rPr lang="en-US" altLang="zh-CN" sz="1800" dirty="0" err="1"/>
+              <a:t>fd,json_encode</a:t>
+            </a:r>
+            <a:r>
+              <a:rPr lang="en-US" altLang="zh-CN" sz="1800" dirty="0"/>
+              <a:t>($</a:t>
+            </a:r>
+            <a:r>
+              <a:rPr lang="en-US" altLang="zh-CN" sz="1800" dirty="0" err="1"/>
+              <a:t>sys_msg</a:t>
+            </a:r>
+            <a:r>
+              <a:rPr lang="en-US" altLang="zh-CN" sz="1800" dirty="0"/>
+              <a:t>));</a:t>
+            </a:r>
+            <a:br>
+              <a:rPr lang="en-US" altLang="zh-CN" sz="1800" dirty="0"/>
+            </a:br>
+            <a:r>
+              <a:rPr lang="en-US" altLang="zh-CN" sz="1800" dirty="0"/>
+              <a:t>    }</a:t>
+            </a:r>
+          </a:p>
+        </p:txBody>
+      </p:sp>
     </p:spTree>
     <p:extLst>
       <p:ext uri="{BB962C8B-B14F-4D97-AF65-F5344CB8AC3E}">
-        <p14:creationId xmlns:p14="http://schemas.microsoft.com/office/powerpoint/2010/main" val="2597762662"/>
+        <p14:creationId xmlns:p14="http://schemas.microsoft.com/office/powerpoint/2010/main" val="4185308866"/>
       </p:ext>
     </p:extLst>
   </p:cSld>
@@ -6608,25 +6817,17 @@
           <a:p>
             <a:r>
               <a:rPr lang="zh-CN" altLang="en-US" dirty="0"/>
-              <a:t>握手连接建立后：</a:t>
-            </a:r>
-            <a:r>
-              <a:rPr lang="en-US" altLang="zh-CN" dirty="0" err="1"/>
-              <a:t>onOpen</a:t>
-            </a:r>
-            <a:r>
-              <a:rPr lang="zh-CN" altLang="en-US" dirty="0"/>
-              <a:t>事件</a:t>
-            </a:r>
-          </a:p>
-        </p:txBody>
-      </p:sp>
-      <p:sp>
-        <p:nvSpPr>
-          <p:cNvPr id="6" name="内容占位符 5">
+              <a:t>退出</a:t>
+            </a:r>
+          </a:p>
+        </p:txBody>
+      </p:sp>
+      <p:sp>
+        <p:nvSpPr>
+          <p:cNvPr id="3" name="内容占位符 2">
             <a:extLst>
               <a:ext uri="{FF2B5EF4-FFF2-40B4-BE49-F238E27FC236}">
-                <a16:creationId xmlns:a16="http://schemas.microsoft.com/office/drawing/2014/main" id="{B83E9AD4-C606-4679-B884-01F71CC97E44}"/>
+                <a16:creationId xmlns:a16="http://schemas.microsoft.com/office/drawing/2014/main" id="{6E16C1C4-6E3D-483D-B856-0676028106F1}"/>
               </a:ext>
             </a:extLst>
           </p:cNvPr>
@@ -6637,12 +6838,7 @@
             <p:ph idx="1"/>
           </p:nvPr>
         </p:nvSpPr>
-        <p:spPr>
-          <a:xfrm>
-            <a:off x="838200" y="1656500"/>
-            <a:ext cx="10515600" cy="4850832"/>
-          </a:xfrm>
-        </p:spPr>
+        <p:spPr/>
         <p:txBody>
           <a:bodyPr>
             <a:normAutofit/>
@@ -6650,64 +6846,135 @@
           <a:lstStyle/>
           <a:p>
             <a:r>
+              <a:rPr lang="en-US" altLang="zh-CN" sz="2000" dirty="0"/>
+              <a:t>    public function logout($</a:t>
+            </a:r>
+            <a:r>
+              <a:rPr lang="en-US" altLang="zh-CN" sz="2000" dirty="0" err="1"/>
+              <a:t>fd</a:t>
+            </a:r>
+            <a:r>
+              <a:rPr lang="en-US" altLang="zh-CN" sz="2000" dirty="0"/>
+              <a:t>) {</a:t>
+            </a:r>
+            <a:br>
+              <a:rPr lang="en-US" altLang="zh-CN" sz="2000" dirty="0"/>
+            </a:br>
+            <a:r>
+              <a:rPr lang="en-US" altLang="zh-CN" sz="2000" dirty="0"/>
+              <a:t>        $username = $this-&gt;</a:t>
+            </a:r>
+            <a:r>
+              <a:rPr lang="en-US" altLang="zh-CN" sz="2000" dirty="0" err="1"/>
+              <a:t>getUser</a:t>
+            </a:r>
+            <a:r>
+              <a:rPr lang="en-US" altLang="zh-CN" sz="2000" dirty="0"/>
+              <a:t>($</a:t>
+            </a:r>
+            <a:r>
+              <a:rPr lang="en-US" altLang="zh-CN" sz="2000" dirty="0" err="1"/>
+              <a:t>fd</a:t>
+            </a:r>
+            <a:r>
+              <a:rPr lang="en-US" altLang="zh-CN" sz="2000" dirty="0"/>
+              <a:t>);</a:t>
+            </a:r>
+            <a:br>
+              <a:rPr lang="en-US" altLang="zh-CN" sz="2000" dirty="0"/>
+            </a:br>
+            <a:r>
+              <a:rPr lang="en-US" altLang="zh-CN" sz="2000" dirty="0"/>
+              <a:t>        </a:t>
+            </a:r>
+            <a:r>
+              <a:rPr lang="en-US" altLang="zh-CN" sz="1600" i="1" dirty="0"/>
+              <a:t>//</a:t>
+            </a:r>
+            <a:r>
+              <a:rPr lang="zh-CN" altLang="en-US" sz="1600" i="1" dirty="0"/>
+              <a:t>通过</a:t>
+            </a:r>
+            <a:r>
+              <a:rPr lang="en-US" altLang="zh-CN" sz="1600" i="1" dirty="0"/>
+              <a:t>token</a:t>
+            </a:r>
+            <a:r>
+              <a:rPr lang="zh-CN" altLang="en-US" sz="1600" i="1" dirty="0"/>
+              <a:t>和连接套接字的关联获取</a:t>
+            </a:r>
+            <a:r>
+              <a:rPr lang="en-US" altLang="zh-CN" sz="1600" i="1" dirty="0" err="1"/>
+              <a:t>user_token</a:t>
+            </a:r>
+            <a:r>
+              <a:rPr lang="zh-CN" altLang="en-US" sz="1600" i="1" dirty="0"/>
+              <a:t>并删除</a:t>
+            </a:r>
+            <a:br>
+              <a:rPr lang="zh-CN" altLang="en-US" sz="1600" i="1" dirty="0"/>
+            </a:br>
+            <a:r>
               <a:rPr lang="zh-CN" altLang="en-US" sz="2000" dirty="0"/>
-              <a:t>连接建立后要把连接信息加入到</a:t>
-            </a:r>
-            <a:r>
-              <a:rPr lang="en-US" altLang="zh-CN" sz="2000" dirty="0"/>
-              <a:t>Memcached</a:t>
-            </a:r>
-            <a:r>
-              <a:rPr lang="zh-CN" altLang="en-US" sz="2000" dirty="0"/>
-              <a:t>缓存。并返回一条提示信息。</a:t>
-            </a:r>
-            <a:endParaRPr lang="en-US" altLang="zh-CN" sz="2000" dirty="0"/>
-          </a:p>
-          <a:p>
-            <a:endParaRPr lang="en-US" altLang="zh-CN" sz="2000" dirty="0"/>
-          </a:p>
-        </p:txBody>
-      </p:sp>
-      <p:pic>
-        <p:nvPicPr>
-          <p:cNvPr id="3" name="图片 2">
-            <a:extLst>
-              <a:ext uri="{FF2B5EF4-FFF2-40B4-BE49-F238E27FC236}">
-                <a16:creationId xmlns:a16="http://schemas.microsoft.com/office/drawing/2014/main" id="{6BDEBD57-88D6-429D-8BE1-9D9089B47914}"/>
-              </a:ext>
-            </a:extLst>
-          </p:cNvPr>
-          <p:cNvPicPr>
-            <a:picLocks noChangeAspect="1"/>
-          </p:cNvPicPr>
-          <p:nvPr/>
-        </p:nvPicPr>
-        <p:blipFill>
-          <a:blip r:embed="rId3">
-            <a:extLst>
-              <a:ext uri="{28A0092B-C50C-407E-A947-70E740481C1C}">
-                <a14:useLocalDpi xmlns:a14="http://schemas.microsoft.com/office/drawing/2010/main" val="0"/>
-              </a:ext>
-            </a:extLst>
-          </a:blip>
-          <a:stretch>
-            <a:fillRect/>
-          </a:stretch>
-        </p:blipFill>
-        <p:spPr>
-          <a:xfrm>
-            <a:off x="838199" y="2100160"/>
-            <a:ext cx="10485659" cy="3395118"/>
-          </a:xfrm>
-          <a:prstGeom prst="rect">
-            <a:avLst/>
-          </a:prstGeom>
-        </p:spPr>
-      </p:pic>
+              <a:t>        </a:t>
+            </a:r>
+            <a:r>
+              <a:rPr lang="en-US" altLang="zh-CN" sz="2000" dirty="0"/>
+              <a:t>$this-&gt;</a:t>
+            </a:r>
+            <a:r>
+              <a:rPr lang="en-US" altLang="zh-CN" sz="2000" dirty="0" err="1"/>
+              <a:t>auth_cache</a:t>
+            </a:r>
+            <a:r>
+              <a:rPr lang="en-US" altLang="zh-CN" sz="2000" dirty="0"/>
+              <a:t>-&gt;delete($this-&gt;</a:t>
+            </a:r>
+            <a:r>
+              <a:rPr lang="en-US" altLang="zh-CN" sz="2000" dirty="0" err="1"/>
+              <a:t>auth_cache</a:t>
+            </a:r>
+            <a:r>
+              <a:rPr lang="en-US" altLang="zh-CN" sz="2000" dirty="0"/>
+              <a:t>-&gt;get('token_'.$</a:t>
+            </a:r>
+            <a:r>
+              <a:rPr lang="en-US" altLang="zh-CN" sz="2000" dirty="0" err="1"/>
+              <a:t>fd</a:t>
+            </a:r>
+            <a:r>
+              <a:rPr lang="en-US" altLang="zh-CN" sz="2000" dirty="0"/>
+              <a:t>),0);</a:t>
+            </a:r>
+            <a:br>
+              <a:rPr lang="en-US" altLang="zh-CN" sz="2000" dirty="0"/>
+            </a:br>
+            <a:r>
+              <a:rPr lang="en-US" altLang="zh-CN" sz="2000" dirty="0"/>
+              <a:t>        $this-&gt;</a:t>
+            </a:r>
+            <a:r>
+              <a:rPr lang="en-US" altLang="zh-CN" sz="2000" dirty="0" err="1"/>
+              <a:t>auth_cache</a:t>
+            </a:r>
+            <a:r>
+              <a:rPr lang="en-US" altLang="zh-CN" sz="2000" dirty="0"/>
+              <a:t>-&gt;delete($username,0);</a:t>
+            </a:r>
+            <a:br>
+              <a:rPr lang="en-US" altLang="zh-CN" sz="2000" dirty="0"/>
+            </a:br>
+            <a:r>
+              <a:rPr lang="en-US" altLang="zh-CN" sz="2000" dirty="0"/>
+              <a:t>    }</a:t>
+            </a:r>
+          </a:p>
+        </p:txBody>
+      </p:sp>
     </p:spTree>
     <p:extLst>
       <p:ext uri="{BB962C8B-B14F-4D97-AF65-F5344CB8AC3E}">
-        <p14:creationId xmlns:p14="http://schemas.microsoft.com/office/powerpoint/2010/main" val="1284186908"/>
+        <p14:creationId xmlns:p14="http://schemas.microsoft.com/office/powerpoint/2010/main" val="1643127994"/>
       </p:ext>
     </p:extLst>
   </p:cSld>
@@ -6762,15 +7029,7 @@
           <a:p>
             <a:r>
               <a:rPr lang="zh-CN" altLang="en-US" dirty="0"/>
-              <a:t>收到信息：</a:t>
-            </a:r>
-            <a:r>
-              <a:rPr lang="en-US" altLang="zh-CN" dirty="0" err="1"/>
-              <a:t>onMessage</a:t>
-            </a:r>
-            <a:r>
-              <a:rPr lang="zh-CN" altLang="en-US" dirty="0"/>
-              <a:t>事件</a:t>
+              <a:t>获取用户名称的方法</a:t>
             </a:r>
           </a:p>
         </p:txBody>
@@ -6780,7 +7039,7 @@
           <p:cNvPr id="3" name="内容占位符 2">
             <a:extLst>
               <a:ext uri="{FF2B5EF4-FFF2-40B4-BE49-F238E27FC236}">
-                <a16:creationId xmlns:a16="http://schemas.microsoft.com/office/drawing/2014/main" id="{6E16C1C4-6E3D-483D-B856-0676028106F1}"/>
+                <a16:creationId xmlns:a16="http://schemas.microsoft.com/office/drawing/2014/main" id="{F72414E8-65E0-45F2-A533-921E28ACBB62}"/>
               </a:ext>
             </a:extLst>
           </p:cNvPr>
@@ -6799,42 +7058,83 @@
           <a:lstStyle/>
           <a:p>
             <a:r>
+              <a:rPr lang="en-US" altLang="zh-CN" sz="2000" dirty="0"/>
+              <a:t>    private function </a:t>
+            </a:r>
+            <a:r>
+              <a:rPr lang="en-US" altLang="zh-CN" sz="2000" dirty="0" err="1"/>
+              <a:t>getUserName</a:t>
+            </a:r>
+            <a:r>
+              <a:rPr lang="en-US" altLang="zh-CN" sz="2000" dirty="0"/>
+              <a:t>($</a:t>
+            </a:r>
+            <a:r>
+              <a:rPr lang="en-US" altLang="zh-CN" sz="2000" dirty="0" err="1"/>
+              <a:t>fd</a:t>
+            </a:r>
+            <a:r>
+              <a:rPr lang="en-US" altLang="zh-CN" sz="2000" dirty="0"/>
+              <a:t>) {</a:t>
+            </a:r>
+            <a:br>
+              <a:rPr lang="en-US" altLang="zh-CN" sz="2000" dirty="0"/>
+            </a:br>
+            <a:r>
+              <a:rPr lang="en-US" altLang="zh-CN" sz="2000" dirty="0"/>
+              <a:t>        $token = $this-&gt;</a:t>
+            </a:r>
+            <a:r>
+              <a:rPr lang="en-US" altLang="zh-CN" sz="2000" dirty="0" err="1"/>
+              <a:t>auth_cache</a:t>
+            </a:r>
+            <a:r>
+              <a:rPr lang="en-US" altLang="zh-CN" sz="2000" dirty="0"/>
+              <a:t>-&gt;get('token_'.$</a:t>
+            </a:r>
+            <a:r>
+              <a:rPr lang="en-US" altLang="zh-CN" sz="2000" dirty="0" err="1"/>
+              <a:t>fd</a:t>
+            </a:r>
+            <a:r>
+              <a:rPr lang="en-US" altLang="zh-CN" sz="2000" dirty="0"/>
+              <a:t>);</a:t>
+            </a:r>
+            <a:br>
+              <a:rPr lang="en-US" altLang="zh-CN" sz="2000" dirty="0"/>
+            </a:br>
+            <a:r>
+              <a:rPr lang="en-US" altLang="zh-CN" sz="2000" dirty="0"/>
+              <a:t>        return $this-&gt;</a:t>
+            </a:r>
+            <a:r>
+              <a:rPr lang="en-US" altLang="zh-CN" sz="2000" dirty="0" err="1"/>
+              <a:t>auth_cache</a:t>
+            </a:r>
+            <a:r>
+              <a:rPr lang="en-US" altLang="zh-CN" sz="2000" dirty="0"/>
+              <a:t>-&gt;get($token);</a:t>
+            </a:r>
+            <a:br>
+              <a:rPr lang="en-US" altLang="zh-CN" sz="2000" dirty="0"/>
+            </a:br>
+            <a:r>
+              <a:rPr lang="en-US" altLang="zh-CN" sz="2000" dirty="0"/>
+              <a:t>    }</a:t>
+            </a:r>
+          </a:p>
+          <a:p>
+            <a:r>
               <a:rPr lang="zh-CN" altLang="en-US" sz="2000" dirty="0"/>
-              <a:t>获取用户发送的数据。并判断如果数据为空则不转发。</a:t>
-            </a:r>
-            <a:endParaRPr lang="en-US" altLang="zh-CN" sz="2000" dirty="0"/>
-          </a:p>
-          <a:p>
-            <a:r>
-              <a:rPr lang="zh-CN" altLang="en-US" sz="2000" dirty="0"/>
-              <a:t>生成要发送的消息。</a:t>
-            </a:r>
-            <a:endParaRPr lang="en-US" altLang="zh-CN" sz="2000" dirty="0"/>
-          </a:p>
-          <a:p>
-            <a:r>
-              <a:rPr lang="zh-CN" altLang="en-US" sz="2000" dirty="0"/>
-              <a:t>从</a:t>
-            </a:r>
-            <a:r>
-              <a:rPr lang="en-US" altLang="zh-CN" sz="2000" dirty="0"/>
-              <a:t>Memcached</a:t>
-            </a:r>
-            <a:r>
-              <a:rPr lang="zh-CN" altLang="en-US" sz="2000" dirty="0"/>
-              <a:t>获取保存的所有连接，并判断如果不是当前连接则进行转发。</a:t>
-            </a:r>
-            <a:endParaRPr lang="en-US" altLang="zh-CN" sz="2000" dirty="0"/>
-          </a:p>
-          <a:p>
-            <a:endParaRPr lang="en-US" altLang="zh-CN" sz="2000" dirty="0"/>
+              <a:t>通过连接套接字获取用户名</a:t>
+            </a:r>
           </a:p>
         </p:txBody>
       </p:sp>
     </p:spTree>
     <p:extLst>
       <p:ext uri="{BB962C8B-B14F-4D97-AF65-F5344CB8AC3E}">
-        <p14:creationId xmlns:p14="http://schemas.microsoft.com/office/powerpoint/2010/main" val="1643127994"/>
+        <p14:creationId xmlns:p14="http://schemas.microsoft.com/office/powerpoint/2010/main" val="446600821"/>
       </p:ext>
     </p:extLst>
   </p:cSld>
@@ -6889,58 +7189,129 @@
           <a:p>
             <a:r>
               <a:rPr lang="zh-CN" altLang="en-US" dirty="0"/>
-              <a:t>收到信息：</a:t>
+              <a:t>连接关闭：</a:t>
             </a:r>
             <a:r>
               <a:rPr lang="en-US" altLang="zh-CN" dirty="0" err="1"/>
-              <a:t>onMessage</a:t>
+              <a:t>onClose</a:t>
             </a:r>
             <a:r>
               <a:rPr lang="zh-CN" altLang="en-US" dirty="0"/>
-              <a:t>事件代码示例</a:t>
-            </a:r>
-          </a:p>
-        </p:txBody>
-      </p:sp>
-      <p:pic>
-        <p:nvPicPr>
-          <p:cNvPr id="5" name="内容占位符 4">
+              <a:t>事件</a:t>
+            </a:r>
+          </a:p>
+        </p:txBody>
+      </p:sp>
+      <p:sp>
+        <p:nvSpPr>
+          <p:cNvPr id="6" name="内容占位符 5">
             <a:extLst>
               <a:ext uri="{FF2B5EF4-FFF2-40B4-BE49-F238E27FC236}">
-                <a16:creationId xmlns:a16="http://schemas.microsoft.com/office/drawing/2014/main" id="{7EAEEAE3-CB2B-4A87-B304-E5025210B7AE}"/>
+                <a16:creationId xmlns:a16="http://schemas.microsoft.com/office/drawing/2014/main" id="{B83E9AD4-C606-4679-B884-01F71CC97E44}"/>
               </a:ext>
             </a:extLst>
           </p:cNvPr>
-          <p:cNvPicPr>
-            <a:picLocks noGrp="1" noChangeAspect="1"/>
-          </p:cNvPicPr>
+          <p:cNvSpPr>
+            <a:spLocks noGrp="1"/>
+          </p:cNvSpPr>
           <p:nvPr>
             <p:ph idx="1"/>
           </p:nvPr>
-        </p:nvPicPr>
-        <p:blipFill>
-          <a:blip r:embed="rId3">
-            <a:extLst>
-              <a:ext uri="{28A0092B-C50C-407E-A947-70E740481C1C}">
-                <a14:useLocalDpi xmlns:a14="http://schemas.microsoft.com/office/drawing/2010/main" val="0"/>
-              </a:ext>
-            </a:extLst>
-          </a:blip>
-          <a:stretch>
-            <a:fillRect/>
-          </a:stretch>
-        </p:blipFill>
-        <p:spPr>
-          <a:xfrm>
-            <a:off x="838200" y="1602497"/>
-            <a:ext cx="9116425" cy="5255503"/>
-          </a:xfrm>
-        </p:spPr>
-      </p:pic>
+        </p:nvSpPr>
+        <p:spPr>
+          <a:xfrm>
+            <a:off x="838200" y="1656500"/>
+            <a:ext cx="10515600" cy="4850832"/>
+          </a:xfrm>
+        </p:spPr>
+        <p:txBody>
+          <a:bodyPr>
+            <a:normAutofit/>
+          </a:bodyPr>
+          <a:lstStyle/>
+          <a:p>
+            <a:r>
+              <a:rPr lang="zh-CN" altLang="en-US" sz="2000" dirty="0"/>
+              <a:t>关闭连接要从</a:t>
+            </a:r>
+            <a:r>
+              <a:rPr lang="en-US" altLang="zh-CN" sz="2000" dirty="0"/>
+              <a:t>Memcached</a:t>
+            </a:r>
+            <a:r>
+              <a:rPr lang="zh-CN" altLang="en-US" sz="2000" dirty="0"/>
+              <a:t>去除缓存数据。</a:t>
+            </a:r>
+            <a:endParaRPr lang="en-US" altLang="zh-CN" sz="2000" dirty="0"/>
+          </a:p>
+          <a:p>
+            <a:endParaRPr lang="en-US" altLang="zh-CN" sz="2000" dirty="0"/>
+          </a:p>
+          <a:p>
+            <a:r>
+              <a:rPr lang="en-US" altLang="zh-CN" sz="2000" dirty="0"/>
+              <a:t>    public function </a:t>
+            </a:r>
+            <a:r>
+              <a:rPr lang="en-US" altLang="zh-CN" sz="2000" dirty="0" err="1"/>
+              <a:t>on_close</a:t>
+            </a:r>
+            <a:r>
+              <a:rPr lang="en-US" altLang="zh-CN" sz="2000" dirty="0"/>
+              <a:t>($server,$</a:t>
+            </a:r>
+            <a:r>
+              <a:rPr lang="en-US" altLang="zh-CN" sz="2000" dirty="0" err="1"/>
+              <a:t>fd</a:t>
+            </a:r>
+            <a:r>
+              <a:rPr lang="en-US" altLang="zh-CN" sz="2000" dirty="0"/>
+              <a:t>) {</a:t>
+            </a:r>
+            <a:br>
+              <a:rPr lang="en-US" altLang="zh-CN" sz="2000" dirty="0"/>
+            </a:br>
+            <a:r>
+              <a:rPr lang="en-US" altLang="zh-CN" sz="2000" dirty="0"/>
+              <a:t>        $this-&gt;</a:t>
+            </a:r>
+            <a:r>
+              <a:rPr lang="en-US" altLang="zh-CN" sz="2000" dirty="0" err="1"/>
+              <a:t>mcache</a:t>
+            </a:r>
+            <a:r>
+              <a:rPr lang="en-US" altLang="zh-CN" sz="2000" dirty="0"/>
+              <a:t>-&gt;delete($this-&gt;conn_head.$fd,0);</a:t>
+            </a:r>
+            <a:br>
+              <a:rPr lang="en-US" altLang="zh-CN" sz="2000" dirty="0"/>
+            </a:br>
+            <a:r>
+              <a:rPr lang="en-US" altLang="zh-CN" sz="2000" dirty="0"/>
+              <a:t>        $this-&gt;</a:t>
+            </a:r>
+            <a:r>
+              <a:rPr lang="en-US" altLang="zh-CN" sz="2000" dirty="0" err="1"/>
+              <a:t>auth_cache</a:t>
+            </a:r>
+            <a:r>
+              <a:rPr lang="en-US" altLang="zh-CN" sz="2000" dirty="0"/>
+              <a:t>-&gt;delete('token_'.$fd,0);</a:t>
+            </a:r>
+            <a:br>
+              <a:rPr lang="en-US" altLang="zh-CN" sz="2000" dirty="0"/>
+            </a:br>
+            <a:r>
+              <a:rPr lang="en-US" altLang="zh-CN" sz="2000" dirty="0"/>
+              <a:t>    }</a:t>
+            </a:r>
+          </a:p>
+        </p:txBody>
+      </p:sp>
     </p:spTree>
     <p:extLst>
       <p:ext uri="{BB962C8B-B14F-4D97-AF65-F5344CB8AC3E}">
-        <p14:creationId xmlns:p14="http://schemas.microsoft.com/office/powerpoint/2010/main" val="446600821"/>
+        <p14:creationId xmlns:p14="http://schemas.microsoft.com/office/powerpoint/2010/main" val="2051629585"/>
       </p:ext>
     </p:extLst>
   </p:cSld>

--- a/materials/slides/ch11-add-auth-to-message-server.pptx
+++ b/materials/slides/ch11-add-auth-to-message-server.pptx
@@ -4912,7 +4912,7 @@
         <p:spPr>
           <a:xfrm>
             <a:off x="672483" y="1012055"/>
-            <a:ext cx="10847034" cy="5170646"/>
+            <a:ext cx="10847034" cy="4893647"/>
           </a:xfrm>
           <a:prstGeom prst="rect">
             <a:avLst/>
@@ -4927,11 +4927,19 @@
           <a:p>
             <a:r>
               <a:rPr lang="en-US" altLang="zh-CN" sz="3200" dirty="0"/>
+              <a:t>Linux</a:t>
+            </a:r>
+            <a:r>
+              <a:rPr lang="zh-CN" altLang="en-US" sz="3200" dirty="0"/>
+              <a:t>平台</a:t>
+            </a:r>
+            <a:r>
+              <a:rPr lang="en-US" altLang="zh-CN" sz="3200" dirty="0"/>
               <a:t>PHP</a:t>
             </a:r>
             <a:r>
               <a:rPr lang="zh-CN" altLang="en-US" sz="3200" dirty="0"/>
-              <a:t>底层开发 </a:t>
+              <a:t>服务端开发</a:t>
             </a:r>
             <a:r>
               <a:rPr lang="en-US" altLang="zh-CN" sz="3200" dirty="0"/>
@@ -4952,73 +4960,14 @@
           </a:p>
           <a:p>
             <a:pPr algn="ctr"/>
-            <a:r>
-              <a:rPr lang="en-US" altLang="zh-CN" dirty="0">
-                <a:solidFill>
-                  <a:schemeClr val="tx1">
-                    <a:lumMod val="50000"/>
-                    <a:lumOff val="50000"/>
-                  </a:schemeClr>
-                </a:solidFill>
-              </a:rPr>
-              <a:t>1  0  0  1</a:t>
-            </a:r>
-          </a:p>
-          <a:p>
-            <a:pPr algn="ctr"/>
-            <a:r>
-              <a:rPr lang="en-US" altLang="zh-CN" dirty="0">
-                <a:solidFill>
-                  <a:schemeClr val="tx1">
-                    <a:lumMod val="50000"/>
-                    <a:lumOff val="50000"/>
-                  </a:schemeClr>
-                </a:solidFill>
-              </a:rPr>
-              <a:t>0  1  1  0</a:t>
-            </a:r>
-          </a:p>
-          <a:p>
-            <a:pPr algn="ctr"/>
-            <a:r>
-              <a:rPr lang="en-US" altLang="zh-CN" dirty="0">
-                <a:solidFill>
-                  <a:schemeClr val="tx1">
-                    <a:lumMod val="50000"/>
-                    <a:lumOff val="50000"/>
-                  </a:schemeClr>
-                </a:solidFill>
-              </a:rPr>
-              <a:t>1  0  0  1</a:t>
-            </a:r>
-          </a:p>
-          <a:p>
-            <a:pPr algn="ctr"/>
-            <a:r>
-              <a:rPr lang="en-US" altLang="zh-CN" dirty="0">
-                <a:solidFill>
-                  <a:schemeClr val="tx1">
-                    <a:lumMod val="50000"/>
-                    <a:lumOff val="50000"/>
-                  </a:schemeClr>
-                </a:solidFill>
-              </a:rPr>
-              <a:t>0  1  1  0</a:t>
-            </a:r>
-          </a:p>
-          <a:p>
-            <a:pPr algn="ctr"/>
-            <a:r>
-              <a:rPr lang="en-US" altLang="zh-CN" dirty="0">
-                <a:solidFill>
-                  <a:schemeClr val="tx1">
-                    <a:lumMod val="50000"/>
-                    <a:lumOff val="50000"/>
-                  </a:schemeClr>
-                </a:solidFill>
-              </a:rPr>
-              <a:t>1  0  0  1</a:t>
-            </a:r>
+            <a:endParaRPr lang="en-US" altLang="zh-CN" dirty="0">
+              <a:solidFill>
+                <a:schemeClr val="tx1">
+                  <a:lumMod val="50000"/>
+                  <a:lumOff val="50000"/>
+                </a:schemeClr>
+              </a:solidFill>
+            </a:endParaRPr>
           </a:p>
           <a:p>
             <a:pPr algn="ctr"/>
@@ -5026,8 +4975,20 @@
           </a:p>
           <a:p>
             <a:pPr algn="ctr"/>
-            <a:r>
-              <a:rPr lang="zh-CN" altLang="en-US" sz="2800"/>
+            <a:endParaRPr lang="en-US" altLang="zh-CN" dirty="0"/>
+          </a:p>
+          <a:p>
+            <a:pPr algn="ctr"/>
+            <a:endParaRPr lang="en-US" altLang="zh-CN"/>
+          </a:p>
+          <a:p>
+            <a:pPr algn="ctr"/>
+            <a:endParaRPr lang="en-US" altLang="zh-CN" dirty="0"/>
+          </a:p>
+          <a:p>
+            <a:pPr algn="ctr"/>
+            <a:r>
+              <a:rPr lang="zh-CN" altLang="en-US" sz="2800" dirty="0"/>
               <a:t>第十一讲  加入验证功能</a:t>
             </a:r>
             <a:endParaRPr lang="en-US" altLang="zh-CN" sz="2800" dirty="0"/>
@@ -5046,61 +5007,6 @@
           </a:p>
           <a:p>
             <a:endParaRPr lang="en-US" altLang="zh-CN" dirty="0"/>
-          </a:p>
-        </p:txBody>
-      </p:sp>
-      <p:sp>
-        <p:nvSpPr>
-          <p:cNvPr id="4" name="云形 3">
-            <a:extLst>
-              <a:ext uri="{FF2B5EF4-FFF2-40B4-BE49-F238E27FC236}">
-                <a16:creationId xmlns:a16="http://schemas.microsoft.com/office/drawing/2014/main" id="{FB93CA04-9A10-4FDC-B520-5825D0C2A77A}"/>
-              </a:ext>
-            </a:extLst>
-          </p:cNvPr>
-          <p:cNvSpPr/>
-          <p:nvPr/>
-        </p:nvSpPr>
-        <p:spPr>
-          <a:xfrm>
-            <a:off x="4685710" y="1632582"/>
-            <a:ext cx="2521259" cy="1020932"/>
-          </a:xfrm>
-          <a:prstGeom prst="cloud">
-            <a:avLst/>
-          </a:prstGeom>
-          <a:noFill/>
-          <a:ln>
-            <a:solidFill>
-              <a:schemeClr val="tx1">
-                <a:lumMod val="65000"/>
-                <a:lumOff val="35000"/>
-              </a:schemeClr>
-            </a:solidFill>
-          </a:ln>
-        </p:spPr>
-        <p:style>
-          <a:lnRef idx="2">
-            <a:schemeClr val="accent1">
-              <a:shade val="50000"/>
-            </a:schemeClr>
-          </a:lnRef>
-          <a:fillRef idx="1">
-            <a:schemeClr val="accent1"/>
-          </a:fillRef>
-          <a:effectRef idx="0">
-            <a:schemeClr val="accent1"/>
-          </a:effectRef>
-          <a:fontRef idx="minor">
-            <a:schemeClr val="lt1"/>
-          </a:fontRef>
-        </p:style>
-        <p:txBody>
-          <a:bodyPr rtlCol="0" anchor="ctr"/>
-          <a:lstStyle/>
-          <a:p>
-            <a:pPr algn="ctr"/>
-            <a:endParaRPr lang="zh-CN" altLang="en-US"/>
           </a:p>
         </p:txBody>
       </p:sp>

--- a/materials/slides/ch11-add-auth-to-message-server.pptx
+++ b/materials/slides/ch11-add-auth-to-message-server.pptx
@@ -224,7 +224,7 @@
           <a:p>
             <a:fld id="{E923E828-953C-4D4A-9B10-11E7329F433D}" type="datetimeFigureOut">
               <a:rPr lang="zh-CN" altLang="en-US" smtClean="0"/>
-              <a:t>2018/2/28</a:t>
+              <a:t>2018/3/1</a:t>
             </a:fld>
             <a:endParaRPr lang="zh-CN" altLang="en-US"/>
           </a:p>
@@ -405,7 +405,7 @@
           <a:p>
             <a:fld id="{867C5346-22E5-4085-8130-851344A84DFF}" type="datetimeFigureOut">
               <a:rPr lang="zh-CN" altLang="en-US" smtClean="0"/>
-              <a:t>2018/2/28</a:t>
+              <a:t>2018/3/1</a:t>
             </a:fld>
             <a:endParaRPr lang="zh-CN" altLang="en-US"/>
           </a:p>
@@ -1587,7 +1587,7 @@
           <a:p>
             <a:fld id="{A5E21016-498F-4141-B0CA-D95A38CA7D62}" type="datetimeFigureOut">
               <a:rPr lang="zh-CN" altLang="en-US" smtClean="0"/>
-              <a:t>2018/2/28</a:t>
+              <a:t>2018/3/1</a:t>
             </a:fld>
             <a:endParaRPr lang="zh-CN" altLang="en-US"/>
           </a:p>
@@ -1817,7 +1817,7 @@
           <a:p>
             <a:fld id="{A5E21016-498F-4141-B0CA-D95A38CA7D62}" type="datetimeFigureOut">
               <a:rPr lang="zh-CN" altLang="en-US" smtClean="0"/>
-              <a:t>2018/2/28</a:t>
+              <a:t>2018/3/1</a:t>
             </a:fld>
             <a:endParaRPr lang="zh-CN" altLang="en-US"/>
           </a:p>
@@ -2052,7 +2052,7 @@
           <a:p>
             <a:fld id="{A5E21016-498F-4141-B0CA-D95A38CA7D62}" type="datetimeFigureOut">
               <a:rPr lang="zh-CN" altLang="en-US" smtClean="0"/>
-              <a:t>2018/2/28</a:t>
+              <a:t>2018/3/1</a:t>
             </a:fld>
             <a:endParaRPr lang="zh-CN" altLang="en-US"/>
           </a:p>
@@ -2614,7 +2614,7 @@
           <a:p>
             <a:fld id="{A5E21016-498F-4141-B0CA-D95A38CA7D62}" type="datetimeFigureOut">
               <a:rPr lang="zh-CN" altLang="en-US" smtClean="0"/>
-              <a:t>2018/2/28</a:t>
+              <a:t>2018/3/1</a:t>
             </a:fld>
             <a:endParaRPr lang="zh-CN" altLang="en-US"/>
           </a:p>
@@ -2911,7 +2911,7 @@
           <a:p>
             <a:fld id="{A5E21016-498F-4141-B0CA-D95A38CA7D62}" type="datetimeFigureOut">
               <a:rPr lang="zh-CN" altLang="en-US" smtClean="0"/>
-              <a:t>2018/2/28</a:t>
+              <a:t>2018/3/1</a:t>
             </a:fld>
             <a:endParaRPr lang="zh-CN" altLang="en-US"/>
           </a:p>
@@ -3350,7 +3350,7 @@
           <a:p>
             <a:fld id="{A5E21016-498F-4141-B0CA-D95A38CA7D62}" type="datetimeFigureOut">
               <a:rPr lang="zh-CN" altLang="en-US" smtClean="0"/>
-              <a:t>2018/2/28</a:t>
+              <a:t>2018/3/1</a:t>
             </a:fld>
             <a:endParaRPr lang="zh-CN" altLang="en-US"/>
           </a:p>
@@ -3523,7 +3523,7 @@
           <a:p>
             <a:fld id="{A5E21016-498F-4141-B0CA-D95A38CA7D62}" type="datetimeFigureOut">
               <a:rPr lang="zh-CN" altLang="en-US" smtClean="0"/>
-              <a:t>2018/2/28</a:t>
+              <a:t>2018/3/1</a:t>
             </a:fld>
             <a:endParaRPr lang="zh-CN" altLang="en-US"/>
           </a:p>
@@ -3660,7 +3660,7 @@
           <a:p>
             <a:fld id="{A5E21016-498F-4141-B0CA-D95A38CA7D62}" type="datetimeFigureOut">
               <a:rPr lang="zh-CN" altLang="en-US" smtClean="0"/>
-              <a:t>2018/2/28</a:t>
+              <a:t>2018/3/1</a:t>
             </a:fld>
             <a:endParaRPr lang="zh-CN" altLang="en-US"/>
           </a:p>
@@ -3998,7 +3998,7 @@
           <a:p>
             <a:fld id="{A5E21016-498F-4141-B0CA-D95A38CA7D62}" type="datetimeFigureOut">
               <a:rPr lang="zh-CN" altLang="en-US" smtClean="0"/>
-              <a:t>2018/2/28</a:t>
+              <a:t>2018/3/1</a:t>
             </a:fld>
             <a:endParaRPr lang="zh-CN" altLang="en-US"/>
           </a:p>
@@ -4313,7 +4313,7 @@
           <a:p>
             <a:fld id="{A5E21016-498F-4141-B0CA-D95A38CA7D62}" type="datetimeFigureOut">
               <a:rPr lang="zh-CN" altLang="en-US" smtClean="0"/>
-              <a:t>2018/2/28</a:t>
+              <a:t>2018/3/1</a:t>
             </a:fld>
             <a:endParaRPr lang="zh-CN" altLang="en-US"/>
           </a:p>
@@ -5422,7 +5422,15 @@
             </a:r>
             <a:r>
               <a:rPr lang="zh-CN" altLang="en-US" sz="2000" dirty="0"/>
-              <a:t>是否存在，存在则保持连接并可以通信，否则九关闭连接。</a:t>
+              <a:t>是否存在，存在则保持连接并可以通信</a:t>
+            </a:r>
+            <a:r>
+              <a:rPr lang="zh-CN" altLang="en-US" sz="2000"/>
+              <a:t>，否则关闭</a:t>
+            </a:r>
+            <a:r>
+              <a:rPr lang="zh-CN" altLang="en-US" sz="2000" dirty="0"/>
+              <a:t>连接。</a:t>
             </a:r>
             <a:endParaRPr lang="en-US" altLang="zh-CN" sz="2000" dirty="0"/>
           </a:p>
